--- a/template-presentation-stack-min.pptx
+++ b/template-presentation-stack-min.pptx
@@ -5,15 +5,20 @@
     <p:sldMasterId id="2147483650" r:id="rId1"/>
   </p:sldMasterIdLst>
   <p:notesMasterIdLst>
-    <p:notesMasterId r:id="rId8"/>
+    <p:notesMasterId r:id="rId13"/>
   </p:notesMasterIdLst>
   <p:sldIdLst>
     <p:sldId id="256" r:id="rId2"/>
     <p:sldId id="578" r:id="rId3"/>
     <p:sldId id="586" r:id="rId4"/>
     <p:sldId id="257" r:id="rId5"/>
-    <p:sldId id="583" r:id="rId6"/>
-    <p:sldId id="575" r:id="rId7"/>
+    <p:sldId id="587" r:id="rId6"/>
+    <p:sldId id="583" r:id="rId7"/>
+    <p:sldId id="588" r:id="rId8"/>
+    <p:sldId id="589" r:id="rId9"/>
+    <p:sldId id="591" r:id="rId10"/>
+    <p:sldId id="590" r:id="rId11"/>
+    <p:sldId id="592" r:id="rId12"/>
   </p:sldIdLst>
   <p:sldSz cx="24377650" cy="13716000"/>
   <p:notesSz cx="6858000" cy="9144000"/>
@@ -1028,7 +1033,7 @@
                 <a:cs typeface="Calibri"/>
                 <a:sym typeface="Calibri"/>
               </a:rPr>
-              <a:t>‹#›</a:t>
+              <a:t>‹nº›</a:t>
             </a:fld>
             <a:endParaRPr lang="de-DE" sz="1200" b="0" i="0" u="none" strike="noStrike" cap="none">
               <a:solidFill>
@@ -1334,6 +1339,384 @@
 </p:notes>
 </file>
 
+<file path=ppt/notesSlides/notesSlide10.xml><?xml version="1.0" encoding="utf-8"?>
+<p:notes xmlns:a="http://schemas.openxmlformats.org/drawingml/2006/main" xmlns:r="http://schemas.openxmlformats.org/officeDocument/2006/relationships" xmlns:p="http://schemas.openxmlformats.org/presentationml/2006/main" showMasterSp="0" showMasterPhAnim="0">
+  <p:cSld>
+    <p:spTree>
+      <p:nvGrpSpPr>
+        <p:cNvPr id="1" name="Shape 19"/>
+        <p:cNvGrpSpPr/>
+        <p:nvPr/>
+      </p:nvGrpSpPr>
+      <p:grpSpPr>
+        <a:xfrm>
+          <a:off x="0" y="0"/>
+          <a:ext cx="0" cy="0"/>
+          <a:chOff x="0" y="0"/>
+          <a:chExt cx="0" cy="0"/>
+        </a:xfrm>
+      </p:grpSpPr>
+      <p:sp>
+        <p:nvSpPr>
+          <p:cNvPr id="20" name="Shape 20"/>
+          <p:cNvSpPr>
+            <a:spLocks noGrp="1" noRot="1" noChangeAspect="1"/>
+          </p:cNvSpPr>
+          <p:nvPr>
+            <p:ph type="sldImg" idx="2"/>
+          </p:nvPr>
+        </p:nvSpPr>
+        <p:spPr>
+          <a:xfrm>
+            <a:off x="687388" y="1143000"/>
+            <a:ext cx="5483225" cy="3086100"/>
+          </a:xfrm>
+          <a:custGeom>
+            <a:avLst/>
+            <a:gdLst/>
+            <a:ahLst/>
+            <a:cxnLst/>
+            <a:rect l="0" t="0" r="0" b="0"/>
+            <a:pathLst>
+              <a:path w="120000" h="120000" extrusionOk="0">
+                <a:moveTo>
+                  <a:pt x="0" y="0"/>
+                </a:moveTo>
+                <a:lnTo>
+                  <a:pt x="120000" y="0"/>
+                </a:lnTo>
+                <a:lnTo>
+                  <a:pt x="120000" y="120000"/>
+                </a:lnTo>
+                <a:lnTo>
+                  <a:pt x="0" y="120000"/>
+                </a:lnTo>
+                <a:close/>
+              </a:path>
+            </a:pathLst>
+          </a:custGeom>
+          <a:noFill/>
+          <a:ln w="12700" cap="flat" cmpd="sng">
+            <a:solidFill>
+              <a:srgbClr val="000000"/>
+            </a:solidFill>
+            <a:prstDash val="solid"/>
+            <a:round/>
+            <a:headEnd type="none" w="med" len="med"/>
+            <a:tailEnd type="none" w="med" len="med"/>
+          </a:ln>
+        </p:spPr>
+      </p:sp>
+      <p:sp>
+        <p:nvSpPr>
+          <p:cNvPr id="21" name="Shape 21"/>
+          <p:cNvSpPr txBox="1">
+            <a:spLocks noGrp="1"/>
+          </p:cNvSpPr>
+          <p:nvPr>
+            <p:ph type="body" idx="1"/>
+          </p:nvPr>
+        </p:nvSpPr>
+        <p:spPr>
+          <a:xfrm>
+            <a:off x="685800" y="4400550"/>
+            <a:ext cx="5486399" cy="3600450"/>
+          </a:xfrm>
+          <a:prstGeom prst="rect">
+            <a:avLst/>
+          </a:prstGeom>
+          <a:noFill/>
+          <a:ln>
+            <a:noFill/>
+          </a:ln>
+        </p:spPr>
+        <p:txBody>
+          <a:bodyPr lIns="91425" tIns="45700" rIns="91425" bIns="45700" anchor="t" anchorCtr="0">
+            <a:noAutofit/>
+          </a:bodyPr>
+          <a:lstStyle/>
+          <a:p>
+            <a:pPr marL="0" marR="0" lvl="0" indent="0" algn="l" rtl="0">
+              <a:spcBef>
+                <a:spcPts val="0"/>
+              </a:spcBef>
+              <a:buSzPct val="25000"/>
+              <a:buNone/>
+            </a:pPr>
+            <a:endParaRPr sz="2400" b="0" i="0" u="none" strike="noStrike" cap="none">
+              <a:solidFill>
+                <a:schemeClr val="dk1"/>
+              </a:solidFill>
+              <a:latin typeface="Calibri"/>
+              <a:ea typeface="Calibri"/>
+              <a:cs typeface="Calibri"/>
+              <a:sym typeface="Calibri"/>
+            </a:endParaRPr>
+          </a:p>
+        </p:txBody>
+      </p:sp>
+      <p:sp>
+        <p:nvSpPr>
+          <p:cNvPr id="22" name="Shape 22"/>
+          <p:cNvSpPr txBox="1">
+            <a:spLocks noGrp="1"/>
+          </p:cNvSpPr>
+          <p:nvPr>
+            <p:ph type="sldNum" idx="12"/>
+          </p:nvPr>
+        </p:nvSpPr>
+        <p:spPr>
+          <a:xfrm>
+            <a:off x="3884612" y="8685213"/>
+            <a:ext cx="2971799" cy="458786"/>
+          </a:xfrm>
+          <a:prstGeom prst="rect">
+            <a:avLst/>
+          </a:prstGeom>
+          <a:noFill/>
+          <a:ln>
+            <a:noFill/>
+          </a:ln>
+        </p:spPr>
+        <p:txBody>
+          <a:bodyPr lIns="91425" tIns="45700" rIns="91425" bIns="45700" anchor="b" anchorCtr="0">
+            <a:noAutofit/>
+          </a:bodyPr>
+          <a:lstStyle/>
+          <a:p>
+            <a:pPr marL="0" marR="0" lvl="0" indent="0" algn="r" rtl="0">
+              <a:spcBef>
+                <a:spcPts val="0"/>
+              </a:spcBef>
+              <a:buSzPct val="25000"/>
+              <a:buNone/>
+            </a:pPr>
+            <a:fld id="{00000000-1234-1234-1234-123412341234}" type="slidenum">
+              <a:rPr lang="de-DE" sz="1200">
+                <a:solidFill>
+                  <a:schemeClr val="dk1"/>
+                </a:solidFill>
+                <a:latin typeface="Calibri"/>
+                <a:ea typeface="Calibri"/>
+                <a:cs typeface="Calibri"/>
+                <a:sym typeface="Calibri"/>
+              </a:rPr>
+              <a:t>10</a:t>
+            </a:fld>
+            <a:endParaRPr lang="de-DE" sz="1200">
+              <a:solidFill>
+                <a:schemeClr val="dk1"/>
+              </a:solidFill>
+              <a:latin typeface="Calibri"/>
+              <a:ea typeface="Calibri"/>
+              <a:cs typeface="Calibri"/>
+              <a:sym typeface="Calibri"/>
+            </a:endParaRPr>
+          </a:p>
+        </p:txBody>
+      </p:sp>
+    </p:spTree>
+    <p:extLst>
+      <p:ext uri="{BB962C8B-B14F-4D97-AF65-F5344CB8AC3E}">
+        <p14:creationId xmlns:p14="http://schemas.microsoft.com/office/powerpoint/2010/main" val="70229411"/>
+      </p:ext>
+    </p:extLst>
+  </p:cSld>
+  <p:clrMapOvr>
+    <a:masterClrMapping/>
+  </p:clrMapOvr>
+</p:notes>
+</file>
+
+<file path=ppt/notesSlides/notesSlide11.xml><?xml version="1.0" encoding="utf-8"?>
+<p:notes xmlns:a="http://schemas.openxmlformats.org/drawingml/2006/main" xmlns:r="http://schemas.openxmlformats.org/officeDocument/2006/relationships" xmlns:p="http://schemas.openxmlformats.org/presentationml/2006/main" showMasterSp="0" showMasterPhAnim="0">
+  <p:cSld>
+    <p:spTree>
+      <p:nvGrpSpPr>
+        <p:cNvPr id="1" name="Shape 12"/>
+        <p:cNvGrpSpPr/>
+        <p:nvPr/>
+      </p:nvGrpSpPr>
+      <p:grpSpPr>
+        <a:xfrm>
+          <a:off x="0" y="0"/>
+          <a:ext cx="0" cy="0"/>
+          <a:chOff x="0" y="0"/>
+          <a:chExt cx="0" cy="0"/>
+        </a:xfrm>
+      </p:grpSpPr>
+      <p:sp>
+        <p:nvSpPr>
+          <p:cNvPr id="13" name="Shape 13"/>
+          <p:cNvSpPr>
+            <a:spLocks noGrp="1" noRot="1" noChangeAspect="1"/>
+          </p:cNvSpPr>
+          <p:nvPr>
+            <p:ph type="sldImg" idx="2"/>
+          </p:nvPr>
+        </p:nvSpPr>
+        <p:spPr>
+          <a:xfrm>
+            <a:off x="687388" y="1143000"/>
+            <a:ext cx="5483225" cy="3086100"/>
+          </a:xfrm>
+          <a:custGeom>
+            <a:avLst/>
+            <a:gdLst/>
+            <a:ahLst/>
+            <a:cxnLst/>
+            <a:rect l="0" t="0" r="0" b="0"/>
+            <a:pathLst>
+              <a:path w="120000" h="120000" extrusionOk="0">
+                <a:moveTo>
+                  <a:pt x="0" y="0"/>
+                </a:moveTo>
+                <a:lnTo>
+                  <a:pt x="120000" y="0"/>
+                </a:lnTo>
+                <a:lnTo>
+                  <a:pt x="120000" y="120000"/>
+                </a:lnTo>
+                <a:lnTo>
+                  <a:pt x="0" y="120000"/>
+                </a:lnTo>
+                <a:close/>
+              </a:path>
+            </a:pathLst>
+          </a:custGeom>
+          <a:noFill/>
+          <a:ln w="12700" cap="flat" cmpd="sng">
+            <a:solidFill>
+              <a:srgbClr val="000000"/>
+            </a:solidFill>
+            <a:prstDash val="solid"/>
+            <a:round/>
+            <a:headEnd type="none" w="med" len="med"/>
+            <a:tailEnd type="none" w="med" len="med"/>
+          </a:ln>
+        </p:spPr>
+      </p:sp>
+      <p:sp>
+        <p:nvSpPr>
+          <p:cNvPr id="14" name="Shape 14"/>
+          <p:cNvSpPr txBox="1">
+            <a:spLocks noGrp="1"/>
+          </p:cNvSpPr>
+          <p:nvPr>
+            <p:ph type="body" idx="1"/>
+          </p:nvPr>
+        </p:nvSpPr>
+        <p:spPr>
+          <a:xfrm>
+            <a:off x="685800" y="4400550"/>
+            <a:ext cx="5486399" cy="3600450"/>
+          </a:xfrm>
+          <a:prstGeom prst="rect">
+            <a:avLst/>
+          </a:prstGeom>
+          <a:noFill/>
+          <a:ln>
+            <a:noFill/>
+          </a:ln>
+        </p:spPr>
+        <p:txBody>
+          <a:bodyPr lIns="91425" tIns="45700" rIns="91425" bIns="45700" anchor="t" anchorCtr="0">
+            <a:noAutofit/>
+          </a:bodyPr>
+          <a:lstStyle/>
+          <a:p>
+            <a:pPr marL="0" marR="0" lvl="0" indent="0" algn="l" rtl="0">
+              <a:spcBef>
+                <a:spcPts val="0"/>
+              </a:spcBef>
+              <a:buSzPct val="25000"/>
+              <a:buNone/>
+            </a:pPr>
+            <a:endParaRPr sz="2400" b="0" i="0" u="none" strike="noStrike" cap="none">
+              <a:solidFill>
+                <a:schemeClr val="dk1"/>
+              </a:solidFill>
+              <a:latin typeface="Calibri"/>
+              <a:ea typeface="Calibri"/>
+              <a:cs typeface="Calibri"/>
+              <a:sym typeface="Calibri"/>
+            </a:endParaRPr>
+          </a:p>
+        </p:txBody>
+      </p:sp>
+      <p:sp>
+        <p:nvSpPr>
+          <p:cNvPr id="15" name="Shape 15"/>
+          <p:cNvSpPr txBox="1">
+            <a:spLocks noGrp="1"/>
+          </p:cNvSpPr>
+          <p:nvPr>
+            <p:ph type="sldNum" idx="12"/>
+          </p:nvPr>
+        </p:nvSpPr>
+        <p:spPr>
+          <a:xfrm>
+            <a:off x="3884612" y="8685213"/>
+            <a:ext cx="2971799" cy="458786"/>
+          </a:xfrm>
+          <a:prstGeom prst="rect">
+            <a:avLst/>
+          </a:prstGeom>
+          <a:noFill/>
+          <a:ln>
+            <a:noFill/>
+          </a:ln>
+        </p:spPr>
+        <p:txBody>
+          <a:bodyPr lIns="91425" tIns="45700" rIns="91425" bIns="45700" anchor="b" anchorCtr="0">
+            <a:noAutofit/>
+          </a:bodyPr>
+          <a:lstStyle/>
+          <a:p>
+            <a:pPr marL="0" marR="0" lvl="0" indent="0" algn="r" rtl="0">
+              <a:spcBef>
+                <a:spcPts val="0"/>
+              </a:spcBef>
+              <a:buSzPct val="25000"/>
+              <a:buNone/>
+            </a:pPr>
+            <a:fld id="{00000000-1234-1234-1234-123412341234}" type="slidenum">
+              <a:rPr lang="de-DE" sz="1200" b="0" i="0" u="none" strike="noStrike" cap="none">
+                <a:solidFill>
+                  <a:schemeClr val="dk1"/>
+                </a:solidFill>
+                <a:latin typeface="Calibri"/>
+                <a:ea typeface="Calibri"/>
+                <a:cs typeface="Calibri"/>
+                <a:sym typeface="Calibri"/>
+              </a:rPr>
+              <a:t>11</a:t>
+            </a:fld>
+            <a:endParaRPr lang="de-DE" sz="1200" b="0" i="0" u="none" strike="noStrike" cap="none">
+              <a:solidFill>
+                <a:schemeClr val="dk1"/>
+              </a:solidFill>
+              <a:latin typeface="Calibri"/>
+              <a:ea typeface="Calibri"/>
+              <a:cs typeface="Calibri"/>
+              <a:sym typeface="Calibri"/>
+            </a:endParaRPr>
+          </a:p>
+        </p:txBody>
+      </p:sp>
+    </p:spTree>
+    <p:extLst>
+      <p:ext uri="{BB962C8B-B14F-4D97-AF65-F5344CB8AC3E}">
+        <p14:creationId xmlns:p14="http://schemas.microsoft.com/office/powerpoint/2010/main" val="2620743018"/>
+      </p:ext>
+    </p:extLst>
+  </p:cSld>
+  <p:clrMapOvr>
+    <a:masterClrMapping/>
+  </p:clrMapOvr>
+</p:notes>
+</file>
+
 <file path=ppt/notesSlides/notesSlide2.xml><?xml version="1.0" encoding="utf-8"?>
 <p:notes xmlns:a="http://schemas.openxmlformats.org/drawingml/2006/main" xmlns:r="http://schemas.openxmlformats.org/officeDocument/2006/relationships" xmlns:p="http://schemas.openxmlformats.org/presentationml/2006/main" showMasterSp="0" showMasterPhAnim="0">
   <p:cSld>
@@ -1906,7 +2289,7 @@
   <p:cSld>
     <p:spTree>
       <p:nvGrpSpPr>
-        <p:cNvPr id="1" name="Shape 19"/>
+        <p:cNvPr id="1" name="Shape 12"/>
         <p:cNvGrpSpPr/>
         <p:nvPr/>
       </p:nvGrpSpPr>
@@ -1920,7 +2303,7 @@
       </p:grpSpPr>
       <p:sp>
         <p:nvSpPr>
-          <p:cNvPr id="20" name="Shape 20"/>
+          <p:cNvPr id="13" name="Shape 13"/>
           <p:cNvSpPr>
             <a:spLocks noGrp="1" noRot="1" noChangeAspect="1"/>
           </p:cNvSpPr>
@@ -1971,7 +2354,7 @@
       </p:sp>
       <p:sp>
         <p:nvSpPr>
-          <p:cNvPr id="21" name="Shape 21"/>
+          <p:cNvPr id="14" name="Shape 14"/>
           <p:cNvSpPr txBox="1">
             <a:spLocks noGrp="1"/>
           </p:cNvSpPr>
@@ -2019,7 +2402,7 @@
       </p:sp>
       <p:sp>
         <p:nvSpPr>
-          <p:cNvPr id="22" name="Shape 22"/>
+          <p:cNvPr id="15" name="Shape 15"/>
           <p:cNvSpPr txBox="1">
             <a:spLocks noGrp="1"/>
           </p:cNvSpPr>
@@ -2054,7 +2437,7 @@
               <a:buNone/>
             </a:pPr>
             <a:fld id="{00000000-1234-1234-1234-123412341234}" type="slidenum">
-              <a:rPr lang="de-DE" sz="1200">
+              <a:rPr lang="de-DE" sz="1200" b="0" i="0" u="none" strike="noStrike" cap="none">
                 <a:solidFill>
                   <a:schemeClr val="dk1"/>
                 </a:solidFill>
@@ -2065,7 +2448,7 @@
               </a:rPr>
               <a:t>5</a:t>
             </a:fld>
-            <a:endParaRPr lang="de-DE" sz="1200">
+            <a:endParaRPr lang="de-DE" sz="1200" b="0" i="0" u="none" strike="noStrike" cap="none">
               <a:solidFill>
                 <a:schemeClr val="dk1"/>
               </a:solidFill>
@@ -2080,7 +2463,7 @@
     </p:spTree>
     <p:extLst>
       <p:ext uri="{BB962C8B-B14F-4D97-AF65-F5344CB8AC3E}">
-        <p14:creationId xmlns:p14="http://schemas.microsoft.com/office/powerpoint/2010/main" val="1288206844"/>
+        <p14:creationId xmlns:p14="http://schemas.microsoft.com/office/powerpoint/2010/main" val="2591118529"/>
       </p:ext>
     </p:extLst>
   </p:cSld>
@@ -2095,7 +2478,7 @@
   <p:cSld>
     <p:spTree>
       <p:nvGrpSpPr>
-        <p:cNvPr id="1" name="Shape 12"/>
+        <p:cNvPr id="1" name="Shape 19"/>
         <p:cNvGrpSpPr/>
         <p:nvPr/>
       </p:nvGrpSpPr>
@@ -2109,7 +2492,7 @@
       </p:grpSpPr>
       <p:sp>
         <p:nvSpPr>
-          <p:cNvPr id="13" name="Shape 13"/>
+          <p:cNvPr id="20" name="Shape 20"/>
           <p:cNvSpPr>
             <a:spLocks noGrp="1" noRot="1" noChangeAspect="1"/>
           </p:cNvSpPr>
@@ -2160,7 +2543,7 @@
       </p:sp>
       <p:sp>
         <p:nvSpPr>
-          <p:cNvPr id="14" name="Shape 14"/>
+          <p:cNvPr id="21" name="Shape 21"/>
           <p:cNvSpPr txBox="1">
             <a:spLocks noGrp="1"/>
           </p:cNvSpPr>
@@ -2208,6 +2591,573 @@
       </p:sp>
       <p:sp>
         <p:nvSpPr>
+          <p:cNvPr id="22" name="Shape 22"/>
+          <p:cNvSpPr txBox="1">
+            <a:spLocks noGrp="1"/>
+          </p:cNvSpPr>
+          <p:nvPr>
+            <p:ph type="sldNum" idx="12"/>
+          </p:nvPr>
+        </p:nvSpPr>
+        <p:spPr>
+          <a:xfrm>
+            <a:off x="3884612" y="8685213"/>
+            <a:ext cx="2971799" cy="458786"/>
+          </a:xfrm>
+          <a:prstGeom prst="rect">
+            <a:avLst/>
+          </a:prstGeom>
+          <a:noFill/>
+          <a:ln>
+            <a:noFill/>
+          </a:ln>
+        </p:spPr>
+        <p:txBody>
+          <a:bodyPr lIns="91425" tIns="45700" rIns="91425" bIns="45700" anchor="b" anchorCtr="0">
+            <a:noAutofit/>
+          </a:bodyPr>
+          <a:lstStyle/>
+          <a:p>
+            <a:pPr marL="0" marR="0" lvl="0" indent="0" algn="r" rtl="0">
+              <a:spcBef>
+                <a:spcPts val="0"/>
+              </a:spcBef>
+              <a:buSzPct val="25000"/>
+              <a:buNone/>
+            </a:pPr>
+            <a:fld id="{00000000-1234-1234-1234-123412341234}" type="slidenum">
+              <a:rPr lang="de-DE" sz="1200">
+                <a:solidFill>
+                  <a:schemeClr val="dk1"/>
+                </a:solidFill>
+                <a:latin typeface="Calibri"/>
+                <a:ea typeface="Calibri"/>
+                <a:cs typeface="Calibri"/>
+                <a:sym typeface="Calibri"/>
+              </a:rPr>
+              <a:t>6</a:t>
+            </a:fld>
+            <a:endParaRPr lang="de-DE" sz="1200">
+              <a:solidFill>
+                <a:schemeClr val="dk1"/>
+              </a:solidFill>
+              <a:latin typeface="Calibri"/>
+              <a:ea typeface="Calibri"/>
+              <a:cs typeface="Calibri"/>
+              <a:sym typeface="Calibri"/>
+            </a:endParaRPr>
+          </a:p>
+        </p:txBody>
+      </p:sp>
+    </p:spTree>
+    <p:extLst>
+      <p:ext uri="{BB962C8B-B14F-4D97-AF65-F5344CB8AC3E}">
+        <p14:creationId xmlns:p14="http://schemas.microsoft.com/office/powerpoint/2010/main" val="1288206844"/>
+      </p:ext>
+    </p:extLst>
+  </p:cSld>
+  <p:clrMapOvr>
+    <a:masterClrMapping/>
+  </p:clrMapOvr>
+</p:notes>
+</file>
+
+<file path=ppt/notesSlides/notesSlide7.xml><?xml version="1.0" encoding="utf-8"?>
+<p:notes xmlns:a="http://schemas.openxmlformats.org/drawingml/2006/main" xmlns:r="http://schemas.openxmlformats.org/officeDocument/2006/relationships" xmlns:p="http://schemas.openxmlformats.org/presentationml/2006/main" showMasterSp="0" showMasterPhAnim="0">
+  <p:cSld>
+    <p:spTree>
+      <p:nvGrpSpPr>
+        <p:cNvPr id="1" name="Shape 19"/>
+        <p:cNvGrpSpPr/>
+        <p:nvPr/>
+      </p:nvGrpSpPr>
+      <p:grpSpPr>
+        <a:xfrm>
+          <a:off x="0" y="0"/>
+          <a:ext cx="0" cy="0"/>
+          <a:chOff x="0" y="0"/>
+          <a:chExt cx="0" cy="0"/>
+        </a:xfrm>
+      </p:grpSpPr>
+      <p:sp>
+        <p:nvSpPr>
+          <p:cNvPr id="20" name="Shape 20"/>
+          <p:cNvSpPr>
+            <a:spLocks noGrp="1" noRot="1" noChangeAspect="1"/>
+          </p:cNvSpPr>
+          <p:nvPr>
+            <p:ph type="sldImg" idx="2"/>
+          </p:nvPr>
+        </p:nvSpPr>
+        <p:spPr>
+          <a:xfrm>
+            <a:off x="687388" y="1143000"/>
+            <a:ext cx="5483225" cy="3086100"/>
+          </a:xfrm>
+          <a:custGeom>
+            <a:avLst/>
+            <a:gdLst/>
+            <a:ahLst/>
+            <a:cxnLst/>
+            <a:rect l="0" t="0" r="0" b="0"/>
+            <a:pathLst>
+              <a:path w="120000" h="120000" extrusionOk="0">
+                <a:moveTo>
+                  <a:pt x="0" y="0"/>
+                </a:moveTo>
+                <a:lnTo>
+                  <a:pt x="120000" y="0"/>
+                </a:lnTo>
+                <a:lnTo>
+                  <a:pt x="120000" y="120000"/>
+                </a:lnTo>
+                <a:lnTo>
+                  <a:pt x="0" y="120000"/>
+                </a:lnTo>
+                <a:close/>
+              </a:path>
+            </a:pathLst>
+          </a:custGeom>
+          <a:noFill/>
+          <a:ln w="12700" cap="flat" cmpd="sng">
+            <a:solidFill>
+              <a:srgbClr val="000000"/>
+            </a:solidFill>
+            <a:prstDash val="solid"/>
+            <a:round/>
+            <a:headEnd type="none" w="med" len="med"/>
+            <a:tailEnd type="none" w="med" len="med"/>
+          </a:ln>
+        </p:spPr>
+      </p:sp>
+      <p:sp>
+        <p:nvSpPr>
+          <p:cNvPr id="21" name="Shape 21"/>
+          <p:cNvSpPr txBox="1">
+            <a:spLocks noGrp="1"/>
+          </p:cNvSpPr>
+          <p:nvPr>
+            <p:ph type="body" idx="1"/>
+          </p:nvPr>
+        </p:nvSpPr>
+        <p:spPr>
+          <a:xfrm>
+            <a:off x="685800" y="4400550"/>
+            <a:ext cx="5486399" cy="3600450"/>
+          </a:xfrm>
+          <a:prstGeom prst="rect">
+            <a:avLst/>
+          </a:prstGeom>
+          <a:noFill/>
+          <a:ln>
+            <a:noFill/>
+          </a:ln>
+        </p:spPr>
+        <p:txBody>
+          <a:bodyPr lIns="91425" tIns="45700" rIns="91425" bIns="45700" anchor="t" anchorCtr="0">
+            <a:noAutofit/>
+          </a:bodyPr>
+          <a:lstStyle/>
+          <a:p>
+            <a:pPr marL="0" marR="0" lvl="0" indent="0" algn="l" rtl="0">
+              <a:spcBef>
+                <a:spcPts val="0"/>
+              </a:spcBef>
+              <a:buSzPct val="25000"/>
+              <a:buNone/>
+            </a:pPr>
+            <a:endParaRPr sz="2400" b="0" i="0" u="none" strike="noStrike" cap="none">
+              <a:solidFill>
+                <a:schemeClr val="dk1"/>
+              </a:solidFill>
+              <a:latin typeface="Calibri"/>
+              <a:ea typeface="Calibri"/>
+              <a:cs typeface="Calibri"/>
+              <a:sym typeface="Calibri"/>
+            </a:endParaRPr>
+          </a:p>
+        </p:txBody>
+      </p:sp>
+      <p:sp>
+        <p:nvSpPr>
+          <p:cNvPr id="22" name="Shape 22"/>
+          <p:cNvSpPr txBox="1">
+            <a:spLocks noGrp="1"/>
+          </p:cNvSpPr>
+          <p:nvPr>
+            <p:ph type="sldNum" idx="12"/>
+          </p:nvPr>
+        </p:nvSpPr>
+        <p:spPr>
+          <a:xfrm>
+            <a:off x="3884612" y="8685213"/>
+            <a:ext cx="2971799" cy="458786"/>
+          </a:xfrm>
+          <a:prstGeom prst="rect">
+            <a:avLst/>
+          </a:prstGeom>
+          <a:noFill/>
+          <a:ln>
+            <a:noFill/>
+          </a:ln>
+        </p:spPr>
+        <p:txBody>
+          <a:bodyPr lIns="91425" tIns="45700" rIns="91425" bIns="45700" anchor="b" anchorCtr="0">
+            <a:noAutofit/>
+          </a:bodyPr>
+          <a:lstStyle/>
+          <a:p>
+            <a:pPr marL="0" marR="0" lvl="0" indent="0" algn="r" rtl="0">
+              <a:spcBef>
+                <a:spcPts val="0"/>
+              </a:spcBef>
+              <a:buSzPct val="25000"/>
+              <a:buNone/>
+            </a:pPr>
+            <a:fld id="{00000000-1234-1234-1234-123412341234}" type="slidenum">
+              <a:rPr lang="de-DE" sz="1200">
+                <a:solidFill>
+                  <a:schemeClr val="dk1"/>
+                </a:solidFill>
+                <a:latin typeface="Calibri"/>
+                <a:ea typeface="Calibri"/>
+                <a:cs typeface="Calibri"/>
+                <a:sym typeface="Calibri"/>
+              </a:rPr>
+              <a:t>7</a:t>
+            </a:fld>
+            <a:endParaRPr lang="de-DE" sz="1200">
+              <a:solidFill>
+                <a:schemeClr val="dk1"/>
+              </a:solidFill>
+              <a:latin typeface="Calibri"/>
+              <a:ea typeface="Calibri"/>
+              <a:cs typeface="Calibri"/>
+              <a:sym typeface="Calibri"/>
+            </a:endParaRPr>
+          </a:p>
+        </p:txBody>
+      </p:sp>
+    </p:spTree>
+    <p:extLst>
+      <p:ext uri="{BB962C8B-B14F-4D97-AF65-F5344CB8AC3E}">
+        <p14:creationId xmlns:p14="http://schemas.microsoft.com/office/powerpoint/2010/main" val="853323644"/>
+      </p:ext>
+    </p:extLst>
+  </p:cSld>
+  <p:clrMapOvr>
+    <a:masterClrMapping/>
+  </p:clrMapOvr>
+</p:notes>
+</file>
+
+<file path=ppt/notesSlides/notesSlide8.xml><?xml version="1.0" encoding="utf-8"?>
+<p:notes xmlns:a="http://schemas.openxmlformats.org/drawingml/2006/main" xmlns:r="http://schemas.openxmlformats.org/officeDocument/2006/relationships" xmlns:p="http://schemas.openxmlformats.org/presentationml/2006/main" showMasterSp="0" showMasterPhAnim="0">
+  <p:cSld>
+    <p:spTree>
+      <p:nvGrpSpPr>
+        <p:cNvPr id="1" name="Shape 19"/>
+        <p:cNvGrpSpPr/>
+        <p:nvPr/>
+      </p:nvGrpSpPr>
+      <p:grpSpPr>
+        <a:xfrm>
+          <a:off x="0" y="0"/>
+          <a:ext cx="0" cy="0"/>
+          <a:chOff x="0" y="0"/>
+          <a:chExt cx="0" cy="0"/>
+        </a:xfrm>
+      </p:grpSpPr>
+      <p:sp>
+        <p:nvSpPr>
+          <p:cNvPr id="20" name="Shape 20"/>
+          <p:cNvSpPr>
+            <a:spLocks noGrp="1" noRot="1" noChangeAspect="1"/>
+          </p:cNvSpPr>
+          <p:nvPr>
+            <p:ph type="sldImg" idx="2"/>
+          </p:nvPr>
+        </p:nvSpPr>
+        <p:spPr>
+          <a:xfrm>
+            <a:off x="687388" y="1143000"/>
+            <a:ext cx="5483225" cy="3086100"/>
+          </a:xfrm>
+          <a:custGeom>
+            <a:avLst/>
+            <a:gdLst/>
+            <a:ahLst/>
+            <a:cxnLst/>
+            <a:rect l="0" t="0" r="0" b="0"/>
+            <a:pathLst>
+              <a:path w="120000" h="120000" extrusionOk="0">
+                <a:moveTo>
+                  <a:pt x="0" y="0"/>
+                </a:moveTo>
+                <a:lnTo>
+                  <a:pt x="120000" y="0"/>
+                </a:lnTo>
+                <a:lnTo>
+                  <a:pt x="120000" y="120000"/>
+                </a:lnTo>
+                <a:lnTo>
+                  <a:pt x="0" y="120000"/>
+                </a:lnTo>
+                <a:close/>
+              </a:path>
+            </a:pathLst>
+          </a:custGeom>
+          <a:noFill/>
+          <a:ln w="12700" cap="flat" cmpd="sng">
+            <a:solidFill>
+              <a:srgbClr val="000000"/>
+            </a:solidFill>
+            <a:prstDash val="solid"/>
+            <a:round/>
+            <a:headEnd type="none" w="med" len="med"/>
+            <a:tailEnd type="none" w="med" len="med"/>
+          </a:ln>
+        </p:spPr>
+      </p:sp>
+      <p:sp>
+        <p:nvSpPr>
+          <p:cNvPr id="21" name="Shape 21"/>
+          <p:cNvSpPr txBox="1">
+            <a:spLocks noGrp="1"/>
+          </p:cNvSpPr>
+          <p:nvPr>
+            <p:ph type="body" idx="1"/>
+          </p:nvPr>
+        </p:nvSpPr>
+        <p:spPr>
+          <a:xfrm>
+            <a:off x="685800" y="4400550"/>
+            <a:ext cx="5486399" cy="3600450"/>
+          </a:xfrm>
+          <a:prstGeom prst="rect">
+            <a:avLst/>
+          </a:prstGeom>
+          <a:noFill/>
+          <a:ln>
+            <a:noFill/>
+          </a:ln>
+        </p:spPr>
+        <p:txBody>
+          <a:bodyPr lIns="91425" tIns="45700" rIns="91425" bIns="45700" anchor="t" anchorCtr="0">
+            <a:noAutofit/>
+          </a:bodyPr>
+          <a:lstStyle/>
+          <a:p>
+            <a:pPr marL="0" marR="0" lvl="0" indent="0" algn="l" rtl="0">
+              <a:spcBef>
+                <a:spcPts val="0"/>
+              </a:spcBef>
+              <a:buSzPct val="25000"/>
+              <a:buNone/>
+            </a:pPr>
+            <a:endParaRPr sz="2400" b="0" i="0" u="none" strike="noStrike" cap="none">
+              <a:solidFill>
+                <a:schemeClr val="dk1"/>
+              </a:solidFill>
+              <a:latin typeface="Calibri"/>
+              <a:ea typeface="Calibri"/>
+              <a:cs typeface="Calibri"/>
+              <a:sym typeface="Calibri"/>
+            </a:endParaRPr>
+          </a:p>
+        </p:txBody>
+      </p:sp>
+      <p:sp>
+        <p:nvSpPr>
+          <p:cNvPr id="22" name="Shape 22"/>
+          <p:cNvSpPr txBox="1">
+            <a:spLocks noGrp="1"/>
+          </p:cNvSpPr>
+          <p:nvPr>
+            <p:ph type="sldNum" idx="12"/>
+          </p:nvPr>
+        </p:nvSpPr>
+        <p:spPr>
+          <a:xfrm>
+            <a:off x="3884612" y="8685213"/>
+            <a:ext cx="2971799" cy="458786"/>
+          </a:xfrm>
+          <a:prstGeom prst="rect">
+            <a:avLst/>
+          </a:prstGeom>
+          <a:noFill/>
+          <a:ln>
+            <a:noFill/>
+          </a:ln>
+        </p:spPr>
+        <p:txBody>
+          <a:bodyPr lIns="91425" tIns="45700" rIns="91425" bIns="45700" anchor="b" anchorCtr="0">
+            <a:noAutofit/>
+          </a:bodyPr>
+          <a:lstStyle/>
+          <a:p>
+            <a:pPr marL="0" marR="0" lvl="0" indent="0" algn="r" rtl="0">
+              <a:spcBef>
+                <a:spcPts val="0"/>
+              </a:spcBef>
+              <a:buSzPct val="25000"/>
+              <a:buNone/>
+            </a:pPr>
+            <a:fld id="{00000000-1234-1234-1234-123412341234}" type="slidenum">
+              <a:rPr lang="de-DE" sz="1200">
+                <a:solidFill>
+                  <a:schemeClr val="dk1"/>
+                </a:solidFill>
+                <a:latin typeface="Calibri"/>
+                <a:ea typeface="Calibri"/>
+                <a:cs typeface="Calibri"/>
+                <a:sym typeface="Calibri"/>
+              </a:rPr>
+              <a:t>8</a:t>
+            </a:fld>
+            <a:endParaRPr lang="de-DE" sz="1200">
+              <a:solidFill>
+                <a:schemeClr val="dk1"/>
+              </a:solidFill>
+              <a:latin typeface="Calibri"/>
+              <a:ea typeface="Calibri"/>
+              <a:cs typeface="Calibri"/>
+              <a:sym typeface="Calibri"/>
+            </a:endParaRPr>
+          </a:p>
+        </p:txBody>
+      </p:sp>
+    </p:spTree>
+    <p:extLst>
+      <p:ext uri="{BB962C8B-B14F-4D97-AF65-F5344CB8AC3E}">
+        <p14:creationId xmlns:p14="http://schemas.microsoft.com/office/powerpoint/2010/main" val="3144930729"/>
+      </p:ext>
+    </p:extLst>
+  </p:cSld>
+  <p:clrMapOvr>
+    <a:masterClrMapping/>
+  </p:clrMapOvr>
+</p:notes>
+</file>
+
+<file path=ppt/notesSlides/notesSlide9.xml><?xml version="1.0" encoding="utf-8"?>
+<p:notes xmlns:a="http://schemas.openxmlformats.org/drawingml/2006/main" xmlns:r="http://schemas.openxmlformats.org/officeDocument/2006/relationships" xmlns:p="http://schemas.openxmlformats.org/presentationml/2006/main" showMasterSp="0" showMasterPhAnim="0">
+  <p:cSld>
+    <p:spTree>
+      <p:nvGrpSpPr>
+        <p:cNvPr id="1" name="Shape 12"/>
+        <p:cNvGrpSpPr/>
+        <p:nvPr/>
+      </p:nvGrpSpPr>
+      <p:grpSpPr>
+        <a:xfrm>
+          <a:off x="0" y="0"/>
+          <a:ext cx="0" cy="0"/>
+          <a:chOff x="0" y="0"/>
+          <a:chExt cx="0" cy="0"/>
+        </a:xfrm>
+      </p:grpSpPr>
+      <p:sp>
+        <p:nvSpPr>
+          <p:cNvPr id="13" name="Shape 13"/>
+          <p:cNvSpPr>
+            <a:spLocks noGrp="1" noRot="1" noChangeAspect="1"/>
+          </p:cNvSpPr>
+          <p:nvPr>
+            <p:ph type="sldImg" idx="2"/>
+          </p:nvPr>
+        </p:nvSpPr>
+        <p:spPr>
+          <a:xfrm>
+            <a:off x="687388" y="1143000"/>
+            <a:ext cx="5483225" cy="3086100"/>
+          </a:xfrm>
+          <a:custGeom>
+            <a:avLst/>
+            <a:gdLst/>
+            <a:ahLst/>
+            <a:cxnLst/>
+            <a:rect l="0" t="0" r="0" b="0"/>
+            <a:pathLst>
+              <a:path w="120000" h="120000" extrusionOk="0">
+                <a:moveTo>
+                  <a:pt x="0" y="0"/>
+                </a:moveTo>
+                <a:lnTo>
+                  <a:pt x="120000" y="0"/>
+                </a:lnTo>
+                <a:lnTo>
+                  <a:pt x="120000" y="120000"/>
+                </a:lnTo>
+                <a:lnTo>
+                  <a:pt x="0" y="120000"/>
+                </a:lnTo>
+                <a:close/>
+              </a:path>
+            </a:pathLst>
+          </a:custGeom>
+          <a:noFill/>
+          <a:ln w="12700" cap="flat" cmpd="sng">
+            <a:solidFill>
+              <a:srgbClr val="000000"/>
+            </a:solidFill>
+            <a:prstDash val="solid"/>
+            <a:round/>
+            <a:headEnd type="none" w="med" len="med"/>
+            <a:tailEnd type="none" w="med" len="med"/>
+          </a:ln>
+        </p:spPr>
+      </p:sp>
+      <p:sp>
+        <p:nvSpPr>
+          <p:cNvPr id="14" name="Shape 14"/>
+          <p:cNvSpPr txBox="1">
+            <a:spLocks noGrp="1"/>
+          </p:cNvSpPr>
+          <p:nvPr>
+            <p:ph type="body" idx="1"/>
+          </p:nvPr>
+        </p:nvSpPr>
+        <p:spPr>
+          <a:xfrm>
+            <a:off x="685800" y="4400550"/>
+            <a:ext cx="5486399" cy="3600450"/>
+          </a:xfrm>
+          <a:prstGeom prst="rect">
+            <a:avLst/>
+          </a:prstGeom>
+          <a:noFill/>
+          <a:ln>
+            <a:noFill/>
+          </a:ln>
+        </p:spPr>
+        <p:txBody>
+          <a:bodyPr lIns="91425" tIns="45700" rIns="91425" bIns="45700" anchor="t" anchorCtr="0">
+            <a:noAutofit/>
+          </a:bodyPr>
+          <a:lstStyle/>
+          <a:p>
+            <a:pPr marL="0" marR="0" lvl="0" indent="0" algn="l" rtl="0">
+              <a:spcBef>
+                <a:spcPts val="0"/>
+              </a:spcBef>
+              <a:buSzPct val="25000"/>
+              <a:buNone/>
+            </a:pPr>
+            <a:endParaRPr sz="2400" b="0" i="0" u="none" strike="noStrike" cap="none">
+              <a:solidFill>
+                <a:schemeClr val="dk1"/>
+              </a:solidFill>
+              <a:latin typeface="Calibri"/>
+              <a:ea typeface="Calibri"/>
+              <a:cs typeface="Calibri"/>
+              <a:sym typeface="Calibri"/>
+            </a:endParaRPr>
+          </a:p>
+        </p:txBody>
+      </p:sp>
+      <p:sp>
+        <p:nvSpPr>
           <p:cNvPr id="15" name="Shape 15"/>
           <p:cNvSpPr txBox="1">
             <a:spLocks noGrp="1"/>
@@ -2252,7 +3202,7 @@
                 <a:cs typeface="Calibri"/>
                 <a:sym typeface="Calibri"/>
               </a:rPr>
-              <a:t>6</a:t>
+              <a:t>9</a:t>
             </a:fld>
             <a:endParaRPr lang="de-DE" sz="1200" b="0" i="0" u="none" strike="noStrike" cap="none">
               <a:solidFill>
@@ -2269,7 +3219,7 @@
     </p:spTree>
     <p:extLst>
       <p:ext uri="{BB962C8B-B14F-4D97-AF65-F5344CB8AC3E}">
-        <p14:creationId xmlns:p14="http://schemas.microsoft.com/office/powerpoint/2010/main" val="1865401423"/>
+        <p14:creationId xmlns:p14="http://schemas.microsoft.com/office/powerpoint/2010/main" val="648309743"/>
       </p:ext>
     </p:extLst>
   </p:cSld>
@@ -2969,35 +3919,7 @@
                 <a:cs typeface="Proxima Nova" charset="0"/>
                 <a:sym typeface="Questrial"/>
               </a:rPr>
-              <a:t>Tipo </a:t>
-            </a:r>
-            <a:r>
-              <a:rPr lang="pt-BR" sz="4800" b="1" dirty="0" err="1">
-                <a:solidFill>
-                  <a:schemeClr val="bg1">
-                    <a:lumMod val="10000"/>
-                  </a:schemeClr>
-                </a:solidFill>
-                <a:latin typeface="+mn-lt"/>
-                <a:ea typeface="Proxima Nova" charset="0"/>
-                <a:cs typeface="Proxima Nova" charset="0"/>
-                <a:sym typeface="Questrial"/>
-              </a:rPr>
-              <a:t>abstrado</a:t>
-            </a:r>
-            <a:r>
-              <a:rPr lang="pt-BR" sz="4800" b="1" dirty="0">
-                <a:solidFill>
-                  <a:schemeClr val="bg1">
-                    <a:lumMod val="10000"/>
-                  </a:schemeClr>
-                </a:solidFill>
-                <a:latin typeface="+mn-lt"/>
-                <a:ea typeface="Proxima Nova" charset="0"/>
-                <a:cs typeface="Proxima Nova" charset="0"/>
-                <a:sym typeface="Questrial"/>
-              </a:rPr>
-              <a:t> de Dados – Pilha</a:t>
+              <a:t>Tipo abstrato de Dados – Pilha</a:t>
             </a:r>
           </a:p>
           <a:p>
@@ -3223,7 +4145,7 @@
         <p:spPr>
           <a:xfrm>
             <a:off x="2743200" y="9982731"/>
-            <a:ext cx="14677202" cy="3046988"/>
+            <a:ext cx="14677202" cy="2554545"/>
           </a:xfrm>
           <a:prstGeom prst="rect">
             <a:avLst/>
@@ -3247,8 +4169,57 @@
                 <a:ea typeface="Proxima Nova Light" charset="0"/>
                 <a:cs typeface="Proxima Nova Light" charset="0"/>
               </a:rPr>
-              <a:t>Aluno1</a:t>
+              <a:t>Allan </a:t>
             </a:r>
+            <a:r>
+              <a:rPr lang="pt-BR" sz="3200" dirty="0" err="1">
+                <a:solidFill>
+                  <a:schemeClr val="bg1">
+                    <a:lumMod val="10000"/>
+                  </a:schemeClr>
+                </a:solidFill>
+                <a:latin typeface="+mn-lt"/>
+                <a:ea typeface="Proxima Nova Light" charset="0"/>
+                <a:cs typeface="Proxima Nova Light" charset="0"/>
+              </a:rPr>
+              <a:t>Jhony</a:t>
+            </a:r>
+            <a:r>
+              <a:rPr lang="pt-BR" sz="3200" dirty="0">
+                <a:solidFill>
+                  <a:schemeClr val="bg1">
+                    <a:lumMod val="10000"/>
+                  </a:schemeClr>
+                </a:solidFill>
+                <a:latin typeface="+mn-lt"/>
+                <a:ea typeface="Proxima Nova Light" charset="0"/>
+                <a:cs typeface="Proxima Nova Light" charset="0"/>
+              </a:rPr>
+              <a:t> </a:t>
+            </a:r>
+            <a:r>
+              <a:rPr lang="pt-BR" sz="3200" dirty="0" err="1">
+                <a:solidFill>
+                  <a:schemeClr val="bg1">
+                    <a:lumMod val="10000"/>
+                  </a:schemeClr>
+                </a:solidFill>
+                <a:latin typeface="+mn-lt"/>
+                <a:ea typeface="Proxima Nova Light" charset="0"/>
+                <a:cs typeface="Proxima Nova Light" charset="0"/>
+              </a:rPr>
+              <a:t>Effting</a:t>
+            </a:r>
+            <a:endParaRPr lang="pt-BR" sz="3200" dirty="0">
+              <a:solidFill>
+                <a:schemeClr val="bg1">
+                  <a:lumMod val="10000"/>
+                </a:schemeClr>
+              </a:solidFill>
+              <a:latin typeface="+mn-lt"/>
+              <a:ea typeface="Proxima Nova Light" charset="0"/>
+              <a:cs typeface="Proxima Nova Light" charset="0"/>
+            </a:endParaRPr>
           </a:p>
           <a:p>
             <a:pPr algn="just"/>
@@ -3263,8 +4234,57 @@
                 <a:ea typeface="Proxima Nova Light" charset="0"/>
                 <a:cs typeface="Proxima Nova Light" charset="0"/>
               </a:rPr>
-              <a:t>Aluno2</a:t>
+              <a:t>Gabriel </a:t>
             </a:r>
+            <a:r>
+              <a:rPr lang="pt-BR" sz="3200" dirty="0" err="1">
+                <a:solidFill>
+                  <a:schemeClr val="bg1">
+                    <a:lumMod val="10000"/>
+                  </a:schemeClr>
+                </a:solidFill>
+                <a:latin typeface="+mn-lt"/>
+                <a:ea typeface="Proxima Nova Light" charset="0"/>
+                <a:cs typeface="Proxima Nova Light" charset="0"/>
+              </a:rPr>
+              <a:t>Dezan</a:t>
+            </a:r>
+            <a:r>
+              <a:rPr lang="pt-BR" sz="3200" dirty="0">
+                <a:solidFill>
+                  <a:schemeClr val="bg1">
+                    <a:lumMod val="10000"/>
+                  </a:schemeClr>
+                </a:solidFill>
+                <a:latin typeface="+mn-lt"/>
+                <a:ea typeface="Proxima Nova Light" charset="0"/>
+                <a:cs typeface="Proxima Nova Light" charset="0"/>
+              </a:rPr>
+              <a:t> </a:t>
+            </a:r>
+            <a:r>
+              <a:rPr lang="pt-BR" sz="3200" dirty="0" err="1">
+                <a:solidFill>
+                  <a:schemeClr val="bg1">
+                    <a:lumMod val="10000"/>
+                  </a:schemeClr>
+                </a:solidFill>
+                <a:latin typeface="+mn-lt"/>
+                <a:ea typeface="Proxima Nova Light" charset="0"/>
+                <a:cs typeface="Proxima Nova Light" charset="0"/>
+              </a:rPr>
+              <a:t>Busarello</a:t>
+            </a:r>
+            <a:endParaRPr lang="pt-BR" sz="3200" dirty="0">
+              <a:solidFill>
+                <a:schemeClr val="bg1">
+                  <a:lumMod val="10000"/>
+                </a:schemeClr>
+              </a:solidFill>
+              <a:latin typeface="+mn-lt"/>
+              <a:ea typeface="Proxima Nova Light" charset="0"/>
+              <a:cs typeface="Proxima Nova Light" charset="0"/>
+            </a:endParaRPr>
           </a:p>
           <a:p>
             <a:pPr algn="just"/>
@@ -3279,13 +4299,10 @@
                 <a:ea typeface="Proxima Nova Light" charset="0"/>
                 <a:cs typeface="Proxima Nova Light" charset="0"/>
               </a:rPr>
-              <a:t>Aluno3</a:t>
+              <a:t>Rodrigo da Silva </a:t>
             </a:r>
-          </a:p>
-          <a:p>
-            <a:pPr algn="just"/>
             <a:r>
-              <a:rPr lang="pt-BR" sz="3200" dirty="0">
+              <a:rPr lang="pt-BR" sz="3200" dirty="0" err="1">
                 <a:solidFill>
                   <a:schemeClr val="bg1">
                     <a:lumMod val="10000"/>
@@ -3295,8 +4312,18 @@
                 <a:ea typeface="Proxima Nova Light" charset="0"/>
                 <a:cs typeface="Proxima Nova Light" charset="0"/>
               </a:rPr>
-              <a:t>Aluno4</a:t>
+              <a:t>Peruzzo</a:t>
             </a:r>
+            <a:endParaRPr lang="pt-BR" sz="3200" dirty="0">
+              <a:solidFill>
+                <a:schemeClr val="bg1">
+                  <a:lumMod val="10000"/>
+                </a:schemeClr>
+              </a:solidFill>
+              <a:latin typeface="+mn-lt"/>
+              <a:ea typeface="Proxima Nova Light" charset="0"/>
+              <a:cs typeface="Proxima Nova Light" charset="0"/>
+            </a:endParaRPr>
           </a:p>
           <a:p>
             <a:pPr algn="just"/>
@@ -3382,6 +4409,1761 @@
         </p:txBody>
       </p:sp>
     </p:spTree>
+  </p:cSld>
+  <p:clrMapOvr>
+    <a:masterClrMapping/>
+  </p:clrMapOvr>
+  <p:timing>
+    <p:tnLst>
+      <p:par>
+        <p:cTn id="1" dur="indefinite" restart="never" nodeType="tmRoot">
+          <p:childTnLst>
+            <p:seq concurrent="1" nextAc="seek">
+              <p:cTn id="2" dur="indefinite" nodeType="mainSeq">
+                <p:childTnLst>
+                  <p:par>
+                    <p:cTn id="3" fill="hold">
+                      <p:stCondLst>
+                        <p:cond delay="indefinite"/>
+                        <p:cond evt="onBegin" delay="0">
+                          <p:tn val="2"/>
+                        </p:cond>
+                      </p:stCondLst>
+                      <p:childTnLst>
+                        <p:par>
+                          <p:cTn id="4" fill="hold">
+                            <p:stCondLst>
+                              <p:cond delay="0"/>
+                            </p:stCondLst>
+                            <p:childTnLst>
+                              <p:par>
+                                <p:cTn id="5" presetID="2" presetClass="entr" presetSubtype="4" fill="hold" nodeType="withEffect">
+                                  <p:stCondLst>
+                                    <p:cond delay="0"/>
+                                  </p:stCondLst>
+                                  <p:childTnLst>
+                                    <p:set>
+                                      <p:cBhvr>
+                                        <p:cTn id="6" dur="1" fill="hold">
+                                          <p:stCondLst>
+                                            <p:cond delay="0"/>
+                                          </p:stCondLst>
+                                        </p:cTn>
+                                        <p:tgtEl>
+                                          <p:spTgt spid="11"/>
+                                        </p:tgtEl>
+                                        <p:attrNameLst>
+                                          <p:attrName>style.visibility</p:attrName>
+                                        </p:attrNameLst>
+                                      </p:cBhvr>
+                                      <p:to>
+                                        <p:strVal val="visible"/>
+                                      </p:to>
+                                    </p:set>
+                                    <p:anim calcmode="lin" valueType="num">
+                                      <p:cBhvr additive="base">
+                                        <p:cTn id="7" dur="500"/>
+                                        <p:tgtEl>
+                                          <p:spTgt spid="11"/>
+                                        </p:tgtEl>
+                                        <p:attrNameLst>
+                                          <p:attrName>ppt_y</p:attrName>
+                                        </p:attrNameLst>
+                                      </p:cBhvr>
+                                      <p:tavLst>
+                                        <p:tav tm="0">
+                                          <p:val>
+                                            <p:strVal val="#ppt_y+1"/>
+                                          </p:val>
+                                        </p:tav>
+                                        <p:tav tm="100000">
+                                          <p:val>
+                                            <p:strVal val="#ppt_y"/>
+                                          </p:val>
+                                        </p:tav>
+                                      </p:tavLst>
+                                    </p:anim>
+                                  </p:childTnLst>
+                                </p:cTn>
+                              </p:par>
+                            </p:childTnLst>
+                          </p:cTn>
+                        </p:par>
+                      </p:childTnLst>
+                    </p:cTn>
+                  </p:par>
+                </p:childTnLst>
+              </p:cTn>
+              <p:prevCondLst>
+                <p:cond evt="onPrev" delay="0">
+                  <p:tgtEl>
+                    <p:sldTgt/>
+                  </p:tgtEl>
+                </p:cond>
+              </p:prevCondLst>
+              <p:nextCondLst>
+                <p:cond evt="onNext" delay="0">
+                  <p:tgtEl>
+                    <p:sldTgt/>
+                  </p:tgtEl>
+                </p:cond>
+              </p:nextCondLst>
+            </p:seq>
+          </p:childTnLst>
+        </p:cTn>
+      </p:par>
+    </p:tnLst>
+  </p:timing>
+</p:sld>
+</file>
+
+<file path=ppt/slides/slide10.xml><?xml version="1.0" encoding="utf-8"?>
+<p:sld xmlns:a="http://schemas.openxmlformats.org/drawingml/2006/main" xmlns:r="http://schemas.openxmlformats.org/officeDocument/2006/relationships" xmlns:p="http://schemas.openxmlformats.org/presentationml/2006/main">
+  <p:cSld>
+    <p:spTree>
+      <p:nvGrpSpPr>
+        <p:cNvPr id="1" name="Shape 23"/>
+        <p:cNvGrpSpPr/>
+        <p:nvPr/>
+      </p:nvGrpSpPr>
+      <p:grpSpPr>
+        <a:xfrm>
+          <a:off x="0" y="0"/>
+          <a:ext cx="0" cy="0"/>
+          <a:chOff x="0" y="0"/>
+          <a:chExt cx="0" cy="0"/>
+        </a:xfrm>
+      </p:grpSpPr>
+      <p:sp>
+        <p:nvSpPr>
+          <p:cNvPr id="25" name="Shape 25"/>
+          <p:cNvSpPr/>
+          <p:nvPr/>
+        </p:nvSpPr>
+        <p:spPr>
+          <a:xfrm>
+            <a:off x="1498645" y="1934173"/>
+            <a:ext cx="1724184" cy="45718"/>
+          </a:xfrm>
+          <a:prstGeom prst="rect">
+            <a:avLst/>
+          </a:prstGeom>
+          <a:solidFill>
+            <a:srgbClr val="92D050"/>
+          </a:solidFill>
+          <a:ln>
+            <a:noFill/>
+          </a:ln>
+        </p:spPr>
+        <p:txBody>
+          <a:bodyPr lIns="91425" tIns="45700" rIns="91425" bIns="45700" anchor="ctr" anchorCtr="0">
+            <a:noAutofit/>
+          </a:bodyPr>
+          <a:lstStyle/>
+          <a:p>
+            <a:pPr algn="ctr"/>
+            <a:endParaRPr sz="1800">
+              <a:solidFill>
+                <a:schemeClr val="lt1"/>
+              </a:solidFill>
+              <a:latin typeface="Calibri"/>
+              <a:ea typeface="Calibri"/>
+              <a:cs typeface="Calibri"/>
+              <a:sym typeface="Calibri"/>
+            </a:endParaRPr>
+          </a:p>
+        </p:txBody>
+      </p:sp>
+      <p:sp>
+        <p:nvSpPr>
+          <p:cNvPr id="35" name="Shape 35"/>
+          <p:cNvSpPr/>
+          <p:nvPr/>
+        </p:nvSpPr>
+        <p:spPr>
+          <a:xfrm>
+            <a:off x="678666" y="979325"/>
+            <a:ext cx="819979" cy="819979"/>
+          </a:xfrm>
+          <a:prstGeom prst="ellipse">
+            <a:avLst/>
+          </a:prstGeom>
+          <a:solidFill>
+            <a:srgbClr val="92D050"/>
+          </a:solidFill>
+          <a:ln>
+            <a:noFill/>
+          </a:ln>
+        </p:spPr>
+        <p:txBody>
+          <a:bodyPr lIns="91425" tIns="45700" rIns="91425" bIns="45700" anchor="ctr" anchorCtr="0">
+            <a:noAutofit/>
+          </a:bodyPr>
+          <a:lstStyle/>
+          <a:p>
+            <a:pPr algn="ctr"/>
+            <a:endParaRPr sz="1800">
+              <a:solidFill>
+                <a:schemeClr val="lt1"/>
+              </a:solidFill>
+              <a:latin typeface="Calibri"/>
+              <a:ea typeface="Calibri"/>
+              <a:cs typeface="Calibri"/>
+              <a:sym typeface="Calibri"/>
+            </a:endParaRPr>
+          </a:p>
+        </p:txBody>
+      </p:sp>
+      <p:sp>
+        <p:nvSpPr>
+          <p:cNvPr id="18" name="Retângulo 17"/>
+          <p:cNvSpPr/>
+          <p:nvPr/>
+        </p:nvSpPr>
+        <p:spPr>
+          <a:xfrm>
+            <a:off x="1481956" y="3007921"/>
+            <a:ext cx="20652696" cy="1924566"/>
+          </a:xfrm>
+          <a:prstGeom prst="rect">
+            <a:avLst/>
+          </a:prstGeom>
+        </p:spPr>
+        <p:txBody>
+          <a:bodyPr wrap="square">
+            <a:spAutoFit/>
+          </a:bodyPr>
+          <a:lstStyle/>
+          <a:p>
+            <a:pPr>
+              <a:lnSpc>
+                <a:spcPct val="120000"/>
+              </a:lnSpc>
+            </a:pPr>
+            <a:endParaRPr lang="pt-BR" sz="5200" dirty="0">
+              <a:solidFill>
+                <a:schemeClr val="bg1">
+                  <a:lumMod val="10000"/>
+                </a:schemeClr>
+              </a:solidFill>
+              <a:ea typeface="Proxima Nova" charset="0"/>
+              <a:cs typeface="Proxima Nova" charset="0"/>
+            </a:endParaRPr>
+          </a:p>
+          <a:p>
+            <a:pPr algn="just">
+              <a:lnSpc>
+                <a:spcPct val="120000"/>
+              </a:lnSpc>
+            </a:pPr>
+            <a:endParaRPr lang="pt-BR" sz="5200" b="1" dirty="0">
+              <a:solidFill>
+                <a:schemeClr val="accent6">
+                  <a:lumMod val="50000"/>
+                </a:schemeClr>
+              </a:solidFill>
+              <a:ea typeface="Proxima Nova" charset="0"/>
+              <a:cs typeface="Proxima Nova" charset="0"/>
+            </a:endParaRPr>
+          </a:p>
+        </p:txBody>
+      </p:sp>
+      <p:grpSp>
+        <p:nvGrpSpPr>
+          <p:cNvPr id="2" name="Grupo 1"/>
+          <p:cNvGrpSpPr/>
+          <p:nvPr/>
+        </p:nvGrpSpPr>
+        <p:grpSpPr>
+          <a:xfrm>
+            <a:off x="22717125" y="2438400"/>
+            <a:ext cx="1036726" cy="9906000"/>
+            <a:chOff x="22169124" y="0"/>
+            <a:chExt cx="1584727" cy="13716000"/>
+          </a:xfrm>
+        </p:grpSpPr>
+        <p:sp>
+          <p:nvSpPr>
+            <p:cNvPr id="22" name="Shape 8276"/>
+            <p:cNvSpPr/>
+            <p:nvPr/>
+          </p:nvSpPr>
+          <p:spPr>
+            <a:xfrm>
+              <a:off x="22169124" y="0"/>
+              <a:ext cx="418862" cy="13716000"/>
+            </a:xfrm>
+            <a:prstGeom prst="rect">
+              <a:avLst/>
+            </a:prstGeom>
+            <a:solidFill>
+              <a:srgbClr val="FFC341"/>
+            </a:solidFill>
+            <a:ln>
+              <a:noFill/>
+            </a:ln>
+          </p:spPr>
+          <p:txBody>
+            <a:bodyPr lIns="91425" tIns="45700" rIns="91425" bIns="45700" anchor="ctr" anchorCtr="0">
+              <a:noAutofit/>
+            </a:bodyPr>
+            <a:lstStyle/>
+            <a:p>
+              <a:pPr algn="ctr"/>
+              <a:endParaRPr sz="1800">
+                <a:solidFill>
+                  <a:srgbClr val="F0F0F0"/>
+                </a:solidFill>
+                <a:latin typeface="Calibri"/>
+                <a:ea typeface="Calibri"/>
+                <a:cs typeface="Calibri"/>
+                <a:sym typeface="Calibri"/>
+              </a:endParaRPr>
+            </a:p>
+          </p:txBody>
+        </p:sp>
+        <p:sp>
+          <p:nvSpPr>
+            <p:cNvPr id="23" name="Shape 8276"/>
+            <p:cNvSpPr/>
+            <p:nvPr/>
+          </p:nvSpPr>
+          <p:spPr>
+            <a:xfrm>
+              <a:off x="22744056" y="0"/>
+              <a:ext cx="418862" cy="13716000"/>
+            </a:xfrm>
+            <a:prstGeom prst="rect">
+              <a:avLst/>
+            </a:prstGeom>
+            <a:solidFill>
+              <a:srgbClr val="F14D4B"/>
+            </a:solidFill>
+            <a:ln>
+              <a:noFill/>
+            </a:ln>
+          </p:spPr>
+          <p:txBody>
+            <a:bodyPr lIns="91425" tIns="45700" rIns="91425" bIns="45700" anchor="ctr" anchorCtr="0">
+              <a:noAutofit/>
+            </a:bodyPr>
+            <a:lstStyle/>
+            <a:p>
+              <a:pPr algn="ctr"/>
+              <a:endParaRPr sz="1800">
+                <a:solidFill>
+                  <a:srgbClr val="F0F0F0"/>
+                </a:solidFill>
+                <a:latin typeface="Calibri"/>
+                <a:ea typeface="Calibri"/>
+                <a:cs typeface="Calibri"/>
+                <a:sym typeface="Calibri"/>
+              </a:endParaRPr>
+            </a:p>
+          </p:txBody>
+        </p:sp>
+        <p:sp>
+          <p:nvSpPr>
+            <p:cNvPr id="37" name="Shape 8276"/>
+            <p:cNvSpPr/>
+            <p:nvPr/>
+          </p:nvSpPr>
+          <p:spPr>
+            <a:xfrm>
+              <a:off x="23334989" y="0"/>
+              <a:ext cx="418862" cy="13716000"/>
+            </a:xfrm>
+            <a:prstGeom prst="rect">
+              <a:avLst/>
+            </a:prstGeom>
+            <a:solidFill>
+              <a:srgbClr val="93479B"/>
+            </a:solidFill>
+            <a:ln>
+              <a:noFill/>
+            </a:ln>
+            <a:effectLst/>
+          </p:spPr>
+          <p:txBody>
+            <a:bodyPr lIns="91425" tIns="45700" rIns="91425" bIns="45700" anchor="ctr" anchorCtr="0">
+              <a:noAutofit/>
+            </a:bodyPr>
+            <a:lstStyle/>
+            <a:p>
+              <a:pPr algn="ctr"/>
+              <a:r>
+                <a:rPr lang="pt-BR" sz="1800" dirty="0">
+                  <a:solidFill>
+                    <a:srgbClr val="F0F0F0"/>
+                  </a:solidFill>
+                  <a:latin typeface="Calibri"/>
+                  <a:ea typeface="Calibri"/>
+                  <a:cs typeface="Calibri"/>
+                  <a:sym typeface="Calibri"/>
+                </a:rPr>
+                <a:t> </a:t>
+              </a:r>
+              <a:endParaRPr sz="1800" dirty="0">
+                <a:solidFill>
+                  <a:srgbClr val="F0F0F0"/>
+                </a:solidFill>
+                <a:latin typeface="Calibri"/>
+                <a:ea typeface="Calibri"/>
+                <a:cs typeface="Calibri"/>
+                <a:sym typeface="Calibri"/>
+              </a:endParaRPr>
+            </a:p>
+          </p:txBody>
+        </p:sp>
+      </p:grpSp>
+      <p:sp>
+        <p:nvSpPr>
+          <p:cNvPr id="12" name="Retângulo 10">
+            <a:extLst>
+              <a:ext uri="{FF2B5EF4-FFF2-40B4-BE49-F238E27FC236}">
+                <a16:creationId xmlns:a16="http://schemas.microsoft.com/office/drawing/2014/main" id="{F57192DE-0E4C-7042-9EBB-ABE2561F9AF0}"/>
+              </a:ext>
+            </a:extLst>
+          </p:cNvPr>
+          <p:cNvSpPr/>
+          <p:nvPr/>
+        </p:nvSpPr>
+        <p:spPr>
+          <a:xfrm>
+            <a:off x="1641976" y="1142646"/>
+            <a:ext cx="14677202" cy="584775"/>
+          </a:xfrm>
+          <a:prstGeom prst="rect">
+            <a:avLst/>
+          </a:prstGeom>
+        </p:spPr>
+        <p:txBody>
+          <a:bodyPr wrap="square">
+            <a:spAutoFit/>
+          </a:bodyPr>
+          <a:lstStyle/>
+          <a:p>
+            <a:r>
+              <a:rPr lang="pt-BR" sz="3200" dirty="0">
+                <a:solidFill>
+                  <a:schemeClr val="bg1">
+                    <a:lumMod val="10000"/>
+                  </a:schemeClr>
+                </a:solidFill>
+                <a:ea typeface="Proxima Nova Light" charset="0"/>
+                <a:cs typeface="Proxima Nova Light" charset="0"/>
+              </a:rPr>
+              <a:t>Estruturas de Dados</a:t>
+            </a:r>
+            <a:endParaRPr lang="pt-BR" sz="3200" dirty="0">
+              <a:solidFill>
+                <a:schemeClr val="tx1"/>
+              </a:solidFill>
+              <a:latin typeface="+mn-lt"/>
+              <a:ea typeface="Proxima Nova Light" charset="0"/>
+              <a:cs typeface="Proxima Nova Light" charset="0"/>
+            </a:endParaRPr>
+          </a:p>
+        </p:txBody>
+      </p:sp>
+      <p:pic>
+        <p:nvPicPr>
+          <p:cNvPr id="13" name="Picture 12">
+            <a:extLst>
+              <a:ext uri="{FF2B5EF4-FFF2-40B4-BE49-F238E27FC236}">
+                <a16:creationId xmlns:a16="http://schemas.microsoft.com/office/drawing/2014/main" id="{73FE3BA8-D3B1-404B-8FD9-5261934C9494}"/>
+              </a:ext>
+            </a:extLst>
+          </p:cNvPr>
+          <p:cNvPicPr>
+            <a:picLocks noChangeAspect="1"/>
+          </p:cNvPicPr>
+          <p:nvPr/>
+        </p:nvPicPr>
+        <p:blipFill>
+          <a:blip r:embed="rId3"/>
+          <a:stretch>
+            <a:fillRect/>
+          </a:stretch>
+        </p:blipFill>
+        <p:spPr>
+          <a:xfrm>
+            <a:off x="22659738" y="733859"/>
+            <a:ext cx="1039246" cy="1039246"/>
+          </a:xfrm>
+          <a:prstGeom prst="rect">
+            <a:avLst/>
+          </a:prstGeom>
+        </p:spPr>
+      </p:pic>
+      <p:sp>
+        <p:nvSpPr>
+          <p:cNvPr id="14" name="Rectangle 13">
+            <a:extLst>
+              <a:ext uri="{FF2B5EF4-FFF2-40B4-BE49-F238E27FC236}">
+                <a16:creationId xmlns:a16="http://schemas.microsoft.com/office/drawing/2014/main" id="{06C332E7-DB23-284D-AF3D-D9D7E4232C83}"/>
+              </a:ext>
+            </a:extLst>
+          </p:cNvPr>
+          <p:cNvSpPr/>
+          <p:nvPr/>
+        </p:nvSpPr>
+        <p:spPr>
+          <a:xfrm>
+            <a:off x="16319178" y="837983"/>
+            <a:ext cx="5658921" cy="830997"/>
+          </a:xfrm>
+          <a:prstGeom prst="rect">
+            <a:avLst/>
+          </a:prstGeom>
+        </p:spPr>
+        <p:txBody>
+          <a:bodyPr wrap="none">
+            <a:spAutoFit/>
+          </a:bodyPr>
+          <a:lstStyle/>
+          <a:p>
+            <a:pPr algn="r"/>
+            <a:r>
+              <a:rPr lang="pt-BR" sz="2400" dirty="0">
+                <a:solidFill>
+                  <a:schemeClr val="bg1">
+                    <a:lumMod val="10000"/>
+                  </a:schemeClr>
+                </a:solidFill>
+                <a:latin typeface="Batang" panose="02030600000101010101" pitchFamily="18" charset="-127"/>
+                <a:ea typeface="Batang" panose="02030600000101010101" pitchFamily="18" charset="-127"/>
+                <a:cs typeface="Arial Narrow" panose="020B0604020202020204" pitchFamily="34" charset="0"/>
+              </a:rPr>
+              <a:t>Bacharel em Engenharia de Software</a:t>
+            </a:r>
+          </a:p>
+          <a:p>
+            <a:pPr algn="r"/>
+            <a:r>
+              <a:rPr lang="pt-BR" sz="2400" dirty="0">
+                <a:solidFill>
+                  <a:schemeClr val="bg1">
+                    <a:lumMod val="10000"/>
+                  </a:schemeClr>
+                </a:solidFill>
+                <a:latin typeface="Batang" panose="02030600000101010101" pitchFamily="18" charset="-127"/>
+                <a:ea typeface="Batang" panose="02030600000101010101" pitchFamily="18" charset="-127"/>
+                <a:cs typeface="Arial Narrow" panose="020B0604020202020204" pitchFamily="34" charset="0"/>
+              </a:rPr>
+              <a:t>Sistemas de Informação</a:t>
+            </a:r>
+            <a:endParaRPr lang="en-US" sz="2400" dirty="0">
+              <a:latin typeface="Batang" panose="02030600000101010101" pitchFamily="18" charset="-127"/>
+              <a:ea typeface="Batang" panose="02030600000101010101" pitchFamily="18" charset="-127"/>
+              <a:cs typeface="Arial Narrow" panose="020B0604020202020204" pitchFamily="34" charset="0"/>
+            </a:endParaRPr>
+          </a:p>
+        </p:txBody>
+      </p:sp>
+      <p:cxnSp>
+        <p:nvCxnSpPr>
+          <p:cNvPr id="15" name="Straight Connector 14">
+            <a:extLst>
+              <a:ext uri="{FF2B5EF4-FFF2-40B4-BE49-F238E27FC236}">
+                <a16:creationId xmlns:a16="http://schemas.microsoft.com/office/drawing/2014/main" id="{DBD6EE15-515A-9440-B3A2-0A071B7348D5}"/>
+              </a:ext>
+            </a:extLst>
+          </p:cNvPr>
+          <p:cNvCxnSpPr>
+            <a:cxnSpLocks/>
+          </p:cNvCxnSpPr>
+          <p:nvPr/>
+        </p:nvCxnSpPr>
+        <p:spPr>
+          <a:xfrm>
+            <a:off x="22222691" y="733859"/>
+            <a:ext cx="0" cy="1065445"/>
+          </a:xfrm>
+          <a:prstGeom prst="line">
+            <a:avLst/>
+          </a:prstGeom>
+          <a:ln w="63500">
+            <a:solidFill>
+              <a:schemeClr val="accent6">
+                <a:lumMod val="75000"/>
+              </a:schemeClr>
+            </a:solidFill>
+          </a:ln>
+        </p:spPr>
+        <p:style>
+          <a:lnRef idx="1">
+            <a:schemeClr val="accent1"/>
+          </a:lnRef>
+          <a:fillRef idx="0">
+            <a:schemeClr val="accent1"/>
+          </a:fillRef>
+          <a:effectRef idx="0">
+            <a:schemeClr val="accent1"/>
+          </a:effectRef>
+          <a:fontRef idx="minor">
+            <a:schemeClr val="tx1"/>
+          </a:fontRef>
+        </p:style>
+      </p:cxnSp>
+      <p:sp>
+        <p:nvSpPr>
+          <p:cNvPr id="3" name="CaixaDeTexto 2">
+            <a:extLst>
+              <a:ext uri="{FF2B5EF4-FFF2-40B4-BE49-F238E27FC236}">
+                <a16:creationId xmlns:a16="http://schemas.microsoft.com/office/drawing/2014/main" id="{74E7E612-7301-4E5C-A0BF-A00854734555}"/>
+              </a:ext>
+            </a:extLst>
+          </p:cNvPr>
+          <p:cNvSpPr txBox="1"/>
+          <p:nvPr/>
+        </p:nvSpPr>
+        <p:spPr>
+          <a:xfrm>
+            <a:off x="1498645" y="2598280"/>
+            <a:ext cx="20336123" cy="10279737"/>
+          </a:xfrm>
+          <a:prstGeom prst="rect">
+            <a:avLst/>
+          </a:prstGeom>
+          <a:noFill/>
+        </p:spPr>
+        <p:txBody>
+          <a:bodyPr wrap="square" rtlCol="0">
+            <a:spAutoFit/>
+          </a:bodyPr>
+          <a:lstStyle/>
+          <a:p>
+            <a:pPr marL="685800" lvl="0" indent="-685800" algn="just">
+              <a:buFont typeface="Arial" panose="020B0604020202020204" pitchFamily="34" charset="0"/>
+              <a:buChar char="•"/>
+            </a:pPr>
+            <a:r>
+              <a:rPr lang="pt-BR" sz="5400" dirty="0">
+                <a:solidFill>
+                  <a:schemeClr val="bg1">
+                    <a:lumMod val="10000"/>
+                  </a:schemeClr>
+                </a:solidFill>
+                <a:latin typeface="+mn-lt"/>
+              </a:rPr>
+              <a:t>Foi realizado a criação de vários elementos distintos e aleatórios, verificando se o menor elemento adicionado a lista estaria correto com o número informado previamente.</a:t>
+            </a:r>
+          </a:p>
+          <a:p>
+            <a:pPr marL="685800" lvl="0" indent="-685800" algn="just">
+              <a:buFont typeface="Arial" panose="020B0604020202020204" pitchFamily="34" charset="0"/>
+              <a:buChar char="•"/>
+            </a:pPr>
+            <a:endParaRPr lang="pt-BR" sz="5400" dirty="0">
+              <a:solidFill>
+                <a:schemeClr val="bg1">
+                  <a:lumMod val="10000"/>
+                </a:schemeClr>
+              </a:solidFill>
+              <a:latin typeface="+mn-lt"/>
+            </a:endParaRPr>
+          </a:p>
+          <a:p>
+            <a:pPr marL="685800" lvl="0" indent="-685800" algn="just">
+              <a:buFont typeface="Arial" panose="020B0604020202020204" pitchFamily="34" charset="0"/>
+              <a:buChar char="•"/>
+            </a:pPr>
+            <a:r>
+              <a:rPr lang="pt-BR" sz="5400" dirty="0">
+                <a:solidFill>
+                  <a:schemeClr val="bg1">
+                    <a:lumMod val="10000"/>
+                  </a:schemeClr>
+                </a:solidFill>
+                <a:latin typeface="+mn-lt"/>
+              </a:rPr>
+              <a:t>Foi realizado a criação de um erro para gerar a </a:t>
+            </a:r>
+            <a:r>
+              <a:rPr lang="pt-BR" sz="5400" i="1" dirty="0" err="1">
+                <a:solidFill>
+                  <a:schemeClr val="bg1">
+                    <a:lumMod val="10000"/>
+                  </a:schemeClr>
+                </a:solidFill>
+                <a:latin typeface="+mn-lt"/>
+              </a:rPr>
+              <a:t>Exception</a:t>
+            </a:r>
+            <a:r>
+              <a:rPr lang="pt-BR" sz="5400" dirty="0">
+                <a:solidFill>
+                  <a:schemeClr val="bg1">
+                    <a:lumMod val="10000"/>
+                  </a:schemeClr>
+                </a:solidFill>
+                <a:latin typeface="+mn-lt"/>
+              </a:rPr>
+              <a:t> de que não existe nenhum elemento dentro da lista.</a:t>
+            </a:r>
+          </a:p>
+          <a:p>
+            <a:pPr marL="685800" lvl="0" indent="-685800" algn="just">
+              <a:buFont typeface="Arial" panose="020B0604020202020204" pitchFamily="34" charset="0"/>
+              <a:buChar char="•"/>
+            </a:pPr>
+            <a:endParaRPr lang="pt-BR" sz="5400" dirty="0">
+              <a:solidFill>
+                <a:schemeClr val="bg1">
+                  <a:lumMod val="10000"/>
+                </a:schemeClr>
+              </a:solidFill>
+              <a:latin typeface="+mn-lt"/>
+            </a:endParaRPr>
+          </a:p>
+          <a:p>
+            <a:pPr marL="685800" lvl="0" indent="-685800" algn="just">
+              <a:buFont typeface="Arial" panose="020B0604020202020204" pitchFamily="34" charset="0"/>
+              <a:buChar char="•"/>
+            </a:pPr>
+            <a:r>
+              <a:rPr lang="pt-BR" sz="5400" dirty="0">
+                <a:solidFill>
+                  <a:schemeClr val="bg1">
+                    <a:lumMod val="10000"/>
+                  </a:schemeClr>
+                </a:solidFill>
+                <a:latin typeface="+mn-lt"/>
+              </a:rPr>
+              <a:t>Foi realizado a criação de vários elementos distintos e aleatórios, verificando se o menor elemento da lista é igual a 3, se for, é retirado o elemento topo e verificado se o próximo elemento estaria correto de acordo com a lista de elementos adicionados.</a:t>
+            </a:r>
+          </a:p>
+          <a:p>
+            <a:endParaRPr lang="pt-BR" dirty="0"/>
+          </a:p>
+        </p:txBody>
+      </p:sp>
+    </p:spTree>
+    <p:extLst>
+      <p:ext uri="{BB962C8B-B14F-4D97-AF65-F5344CB8AC3E}">
+        <p14:creationId xmlns:p14="http://schemas.microsoft.com/office/powerpoint/2010/main" val="504594289"/>
+      </p:ext>
+    </p:extLst>
+  </p:cSld>
+  <p:clrMapOvr>
+    <a:masterClrMapping/>
+  </p:clrMapOvr>
+  <p:timing>
+    <p:tnLst>
+      <p:par>
+        <p:cTn id="1" dur="indefinite" restart="never" nodeType="tmRoot">
+          <p:childTnLst>
+            <p:seq concurrent="1" nextAc="seek">
+              <p:cTn id="2" dur="indefinite" nodeType="mainSeq">
+                <p:childTnLst>
+                  <p:par>
+                    <p:cTn id="3" fill="hold">
+                      <p:stCondLst>
+                        <p:cond delay="indefinite"/>
+                        <p:cond evt="onBegin" delay="0">
+                          <p:tn val="2"/>
+                        </p:cond>
+                      </p:stCondLst>
+                      <p:childTnLst>
+                        <p:par>
+                          <p:cTn id="4" fill="hold">
+                            <p:stCondLst>
+                              <p:cond delay="0"/>
+                            </p:stCondLst>
+                            <p:childTnLst>
+                              <p:par>
+                                <p:cTn id="5" presetID="2" presetClass="entr" presetSubtype="4" fill="hold" nodeType="withEffect">
+                                  <p:stCondLst>
+                                    <p:cond delay="0"/>
+                                  </p:stCondLst>
+                                  <p:childTnLst>
+                                    <p:set>
+                                      <p:cBhvr>
+                                        <p:cTn id="6" dur="1" fill="hold">
+                                          <p:stCondLst>
+                                            <p:cond delay="0"/>
+                                          </p:stCondLst>
+                                        </p:cTn>
+                                        <p:tgtEl>
+                                          <p:spTgt spid="25"/>
+                                        </p:tgtEl>
+                                        <p:attrNameLst>
+                                          <p:attrName>style.visibility</p:attrName>
+                                        </p:attrNameLst>
+                                      </p:cBhvr>
+                                      <p:to>
+                                        <p:strVal val="visible"/>
+                                      </p:to>
+                                    </p:set>
+                                    <p:anim calcmode="lin" valueType="num">
+                                      <p:cBhvr additive="base">
+                                        <p:cTn id="7" dur="500"/>
+                                        <p:tgtEl>
+                                          <p:spTgt spid="25"/>
+                                        </p:tgtEl>
+                                        <p:attrNameLst>
+                                          <p:attrName>ppt_y</p:attrName>
+                                        </p:attrNameLst>
+                                      </p:cBhvr>
+                                      <p:tavLst>
+                                        <p:tav tm="0">
+                                          <p:val>
+                                            <p:strVal val="#ppt_y+1"/>
+                                          </p:val>
+                                        </p:tav>
+                                        <p:tav tm="100000">
+                                          <p:val>
+                                            <p:strVal val="#ppt_y"/>
+                                          </p:val>
+                                        </p:tav>
+                                      </p:tavLst>
+                                    </p:anim>
+                                  </p:childTnLst>
+                                </p:cTn>
+                              </p:par>
+                              <p:par>
+                                <p:cTn id="8" presetID="2" presetClass="entr" presetSubtype="4" fill="hold" nodeType="withEffect">
+                                  <p:stCondLst>
+                                    <p:cond delay="0"/>
+                                  </p:stCondLst>
+                                  <p:childTnLst>
+                                    <p:set>
+                                      <p:cBhvr>
+                                        <p:cTn id="9" dur="1" fill="hold">
+                                          <p:stCondLst>
+                                            <p:cond delay="0"/>
+                                          </p:stCondLst>
+                                        </p:cTn>
+                                        <p:tgtEl>
+                                          <p:spTgt spid="35"/>
+                                        </p:tgtEl>
+                                        <p:attrNameLst>
+                                          <p:attrName>style.visibility</p:attrName>
+                                        </p:attrNameLst>
+                                      </p:cBhvr>
+                                      <p:to>
+                                        <p:strVal val="visible"/>
+                                      </p:to>
+                                    </p:set>
+                                    <p:anim calcmode="lin" valueType="num">
+                                      <p:cBhvr additive="base">
+                                        <p:cTn id="10" dur="500"/>
+                                        <p:tgtEl>
+                                          <p:spTgt spid="35"/>
+                                        </p:tgtEl>
+                                        <p:attrNameLst>
+                                          <p:attrName>ppt_y</p:attrName>
+                                        </p:attrNameLst>
+                                      </p:cBhvr>
+                                      <p:tavLst>
+                                        <p:tav tm="0">
+                                          <p:val>
+                                            <p:strVal val="#ppt_y+1"/>
+                                          </p:val>
+                                        </p:tav>
+                                        <p:tav tm="100000">
+                                          <p:val>
+                                            <p:strVal val="#ppt_y"/>
+                                          </p:val>
+                                        </p:tav>
+                                      </p:tavLst>
+                                    </p:anim>
+                                  </p:childTnLst>
+                                </p:cTn>
+                              </p:par>
+                            </p:childTnLst>
+                          </p:cTn>
+                        </p:par>
+                      </p:childTnLst>
+                    </p:cTn>
+                  </p:par>
+                </p:childTnLst>
+              </p:cTn>
+              <p:prevCondLst>
+                <p:cond evt="onPrev" delay="0">
+                  <p:tgtEl>
+                    <p:sldTgt/>
+                  </p:tgtEl>
+                </p:cond>
+              </p:prevCondLst>
+              <p:nextCondLst>
+                <p:cond evt="onNext" delay="0">
+                  <p:tgtEl>
+                    <p:sldTgt/>
+                  </p:tgtEl>
+                </p:cond>
+              </p:nextCondLst>
+            </p:seq>
+          </p:childTnLst>
+        </p:cTn>
+      </p:par>
+    </p:tnLst>
+  </p:timing>
+</p:sld>
+</file>
+
+<file path=ppt/slides/slide11.xml><?xml version="1.0" encoding="utf-8"?>
+<p:sld xmlns:a="http://schemas.openxmlformats.org/drawingml/2006/main" xmlns:r="http://schemas.openxmlformats.org/officeDocument/2006/relationships" xmlns:p="http://schemas.openxmlformats.org/presentationml/2006/main">
+  <p:cSld>
+    <p:spTree>
+      <p:nvGrpSpPr>
+        <p:cNvPr id="1" name="Shape 16"/>
+        <p:cNvGrpSpPr/>
+        <p:nvPr/>
+      </p:nvGrpSpPr>
+      <p:grpSpPr>
+        <a:xfrm>
+          <a:off x="0" y="0"/>
+          <a:ext cx="0" cy="0"/>
+          <a:chOff x="0" y="0"/>
+          <a:chExt cx="0" cy="0"/>
+        </a:xfrm>
+      </p:grpSpPr>
+      <p:sp>
+        <p:nvSpPr>
+          <p:cNvPr id="13" name="Shape 8276"/>
+          <p:cNvSpPr/>
+          <p:nvPr/>
+        </p:nvSpPr>
+        <p:spPr>
+          <a:xfrm>
+            <a:off x="-23531" y="0"/>
+            <a:ext cx="418862" cy="13716000"/>
+          </a:xfrm>
+          <a:prstGeom prst="rect">
+            <a:avLst/>
+          </a:prstGeom>
+          <a:solidFill>
+            <a:srgbClr val="FFC341"/>
+          </a:solidFill>
+          <a:ln>
+            <a:noFill/>
+          </a:ln>
+        </p:spPr>
+        <p:txBody>
+          <a:bodyPr lIns="91425" tIns="45700" rIns="91425" bIns="45700" anchor="ctr" anchorCtr="0">
+            <a:noAutofit/>
+          </a:bodyPr>
+          <a:lstStyle/>
+          <a:p>
+            <a:pPr algn="ctr"/>
+            <a:endParaRPr sz="1800">
+              <a:solidFill>
+                <a:srgbClr val="F0F0F0"/>
+              </a:solidFill>
+              <a:latin typeface="Calibri"/>
+              <a:ea typeface="Calibri"/>
+              <a:cs typeface="Calibri"/>
+              <a:sym typeface="Calibri"/>
+            </a:endParaRPr>
+          </a:p>
+        </p:txBody>
+      </p:sp>
+      <p:sp>
+        <p:nvSpPr>
+          <p:cNvPr id="9" name="Shape 8276"/>
+          <p:cNvSpPr/>
+          <p:nvPr/>
+        </p:nvSpPr>
+        <p:spPr>
+          <a:xfrm>
+            <a:off x="18244459" y="0"/>
+            <a:ext cx="6133193" cy="13716000"/>
+          </a:xfrm>
+          <a:prstGeom prst="rect">
+            <a:avLst/>
+          </a:prstGeom>
+          <a:solidFill>
+            <a:srgbClr val="86C664"/>
+          </a:solidFill>
+          <a:ln>
+            <a:noFill/>
+          </a:ln>
+        </p:spPr>
+        <p:txBody>
+          <a:bodyPr lIns="91425" tIns="45700" rIns="91425" bIns="45700" anchor="ctr" anchorCtr="0">
+            <a:noAutofit/>
+          </a:bodyPr>
+          <a:lstStyle/>
+          <a:p>
+            <a:pPr algn="ctr"/>
+            <a:endParaRPr sz="1800">
+              <a:solidFill>
+                <a:srgbClr val="F0F0F0"/>
+              </a:solidFill>
+              <a:latin typeface="Calibri"/>
+              <a:ea typeface="Calibri"/>
+              <a:cs typeface="Calibri"/>
+              <a:sym typeface="Calibri"/>
+            </a:endParaRPr>
+          </a:p>
+        </p:txBody>
+      </p:sp>
+      <p:sp>
+        <p:nvSpPr>
+          <p:cNvPr id="11" name="Shape 26"/>
+          <p:cNvSpPr txBox="1"/>
+          <p:nvPr/>
+        </p:nvSpPr>
+        <p:spPr>
+          <a:xfrm>
+            <a:off x="2743200" y="2286129"/>
+            <a:ext cx="13693140" cy="7696601"/>
+          </a:xfrm>
+          <a:prstGeom prst="rect">
+            <a:avLst/>
+          </a:prstGeom>
+          <a:noFill/>
+          <a:ln>
+            <a:noFill/>
+          </a:ln>
+        </p:spPr>
+        <p:txBody>
+          <a:bodyPr lIns="91425" tIns="45700" rIns="91425" bIns="45700" anchor="t" anchorCtr="0">
+            <a:noAutofit/>
+          </a:bodyPr>
+          <a:lstStyle/>
+          <a:p>
+            <a:pPr lvl="0" algn="just">
+              <a:lnSpc>
+                <a:spcPct val="120000"/>
+              </a:lnSpc>
+              <a:buSzPct val="25000"/>
+            </a:pPr>
+            <a:r>
+              <a:rPr lang="pt-BR" sz="4800" b="1" dirty="0">
+                <a:solidFill>
+                  <a:schemeClr val="bg1">
+                    <a:lumMod val="10000"/>
+                  </a:schemeClr>
+                </a:solidFill>
+                <a:latin typeface="+mn-lt"/>
+                <a:ea typeface="Proxima Nova" charset="0"/>
+                <a:cs typeface="Proxima Nova" charset="0"/>
+                <a:sym typeface="Questrial"/>
+              </a:rPr>
+              <a:t>Obrigado</a:t>
+            </a:r>
+          </a:p>
+          <a:p>
+            <a:pPr lvl="0" algn="just">
+              <a:lnSpc>
+                <a:spcPct val="120000"/>
+              </a:lnSpc>
+              <a:buSzPct val="25000"/>
+            </a:pPr>
+            <a:r>
+              <a:rPr lang="pt-BR" sz="4800" b="1" dirty="0" err="1">
+                <a:solidFill>
+                  <a:schemeClr val="bg1">
+                    <a:lumMod val="10000"/>
+                  </a:schemeClr>
+                </a:solidFill>
+                <a:latin typeface="+mn-lt"/>
+                <a:ea typeface="Proxima Nova" charset="0"/>
+                <a:cs typeface="Proxima Nova" charset="0"/>
+                <a:sym typeface="Questrial"/>
+              </a:rPr>
+              <a:t>Thank</a:t>
+            </a:r>
+            <a:r>
+              <a:rPr lang="pt-BR" sz="4800" b="1" dirty="0">
+                <a:solidFill>
+                  <a:schemeClr val="bg1">
+                    <a:lumMod val="10000"/>
+                  </a:schemeClr>
+                </a:solidFill>
+                <a:latin typeface="+mn-lt"/>
+                <a:ea typeface="Proxima Nova" charset="0"/>
+                <a:cs typeface="Proxima Nova" charset="0"/>
+                <a:sym typeface="Questrial"/>
+              </a:rPr>
+              <a:t> </a:t>
+            </a:r>
+            <a:r>
+              <a:rPr lang="pt-BR" sz="4800" b="1" dirty="0" err="1">
+                <a:solidFill>
+                  <a:schemeClr val="bg1">
+                    <a:lumMod val="10000"/>
+                  </a:schemeClr>
+                </a:solidFill>
+                <a:latin typeface="+mn-lt"/>
+                <a:ea typeface="Proxima Nova" charset="0"/>
+                <a:cs typeface="Proxima Nova" charset="0"/>
+                <a:sym typeface="Questrial"/>
+              </a:rPr>
+              <a:t>you</a:t>
+            </a:r>
+            <a:endParaRPr lang="pt-BR" sz="4800" b="1" dirty="0">
+              <a:solidFill>
+                <a:schemeClr val="bg1">
+                  <a:lumMod val="10000"/>
+                </a:schemeClr>
+              </a:solidFill>
+              <a:latin typeface="+mn-lt"/>
+              <a:ea typeface="Proxima Nova" charset="0"/>
+              <a:cs typeface="Proxima Nova" charset="0"/>
+              <a:sym typeface="Questrial"/>
+            </a:endParaRPr>
+          </a:p>
+          <a:p>
+            <a:pPr lvl="0" algn="just">
+              <a:lnSpc>
+                <a:spcPct val="120000"/>
+              </a:lnSpc>
+              <a:buSzPct val="25000"/>
+            </a:pPr>
+            <a:r>
+              <a:rPr lang="pt-BR" sz="4800" b="1" dirty="0" err="1">
+                <a:solidFill>
+                  <a:schemeClr val="bg1">
+                    <a:lumMod val="10000"/>
+                  </a:schemeClr>
+                </a:solidFill>
+                <a:latin typeface="+mn-lt"/>
+                <a:ea typeface="Proxima Nova" charset="0"/>
+                <a:cs typeface="Proxima Nova" charset="0"/>
+                <a:sym typeface="Questrial"/>
+              </a:rPr>
+              <a:t>Gracias</a:t>
+            </a:r>
+            <a:endParaRPr lang="de-DE" sz="4800" b="1" dirty="0">
+              <a:solidFill>
+                <a:schemeClr val="bg1">
+                  <a:lumMod val="10000"/>
+                </a:schemeClr>
+              </a:solidFill>
+              <a:latin typeface="+mn-lt"/>
+              <a:ea typeface="Proxima Nova" charset="0"/>
+              <a:cs typeface="Proxima Nova" charset="0"/>
+              <a:sym typeface="Questrial"/>
+            </a:endParaRPr>
+          </a:p>
+          <a:p>
+            <a:pPr lvl="0" algn="just">
+              <a:lnSpc>
+                <a:spcPct val="120000"/>
+              </a:lnSpc>
+              <a:buSzPct val="25000"/>
+            </a:pPr>
+            <a:r>
+              <a:rPr lang="de-DE" sz="4800" b="1" dirty="0">
+                <a:solidFill>
+                  <a:schemeClr val="bg1">
+                    <a:lumMod val="10000"/>
+                  </a:schemeClr>
+                </a:solidFill>
+                <a:latin typeface="+mn-lt"/>
+                <a:ea typeface="Proxima Nova" charset="0"/>
+                <a:cs typeface="Proxima Nova" charset="0"/>
+                <a:sym typeface="Questrial"/>
+              </a:rPr>
+              <a:t>Grazie</a:t>
+            </a:r>
+          </a:p>
+          <a:p>
+            <a:pPr lvl="0" algn="just">
+              <a:lnSpc>
+                <a:spcPct val="120000"/>
+              </a:lnSpc>
+              <a:buSzPct val="25000"/>
+            </a:pPr>
+            <a:r>
+              <a:rPr lang="de-DE" sz="4800" b="1" dirty="0">
+                <a:solidFill>
+                  <a:schemeClr val="bg1">
+                    <a:lumMod val="10000"/>
+                  </a:schemeClr>
+                </a:solidFill>
+                <a:latin typeface="+mn-lt"/>
+                <a:ea typeface="Proxima Nova" charset="0"/>
+                <a:cs typeface="Proxima Nova" charset="0"/>
+                <a:sym typeface="Questrial"/>
+              </a:rPr>
+              <a:t>Merci beaucoup</a:t>
+            </a:r>
+          </a:p>
+          <a:p>
+            <a:pPr lvl="0" algn="just">
+              <a:lnSpc>
+                <a:spcPct val="120000"/>
+              </a:lnSpc>
+              <a:buSzPct val="25000"/>
+            </a:pPr>
+            <a:r>
+              <a:rPr lang="de-DE" sz="4800" b="1" dirty="0">
+                <a:solidFill>
+                  <a:schemeClr val="bg1">
+                    <a:lumMod val="10000"/>
+                  </a:schemeClr>
+                </a:solidFill>
+                <a:latin typeface="+mn-lt"/>
+                <a:ea typeface="Proxima Nova" charset="0"/>
+                <a:cs typeface="Proxima Nova" charset="0"/>
+                <a:sym typeface="Questrial"/>
+              </a:rPr>
+              <a:t>Vielen Dank</a:t>
+            </a:r>
+          </a:p>
+          <a:p>
+            <a:pPr lvl="0" algn="just">
+              <a:lnSpc>
+                <a:spcPct val="120000"/>
+              </a:lnSpc>
+              <a:buSzPct val="25000"/>
+            </a:pPr>
+            <a:r>
+              <a:rPr lang="ja-JP" altLang="pt-BR" sz="4800" b="1" dirty="0">
+                <a:solidFill>
+                  <a:schemeClr val="bg1">
+                    <a:lumMod val="10000"/>
+                  </a:schemeClr>
+                </a:solidFill>
+                <a:latin typeface="+mn-lt"/>
+                <a:ea typeface="Proxima Nova" charset="0"/>
+                <a:cs typeface="Proxima Nova" charset="0"/>
+                <a:sym typeface="Questrial"/>
+              </a:rPr>
+              <a:t>ありがとう</a:t>
+            </a:r>
+            <a:endParaRPr lang="az-Cyrl-AZ" sz="4800" b="1" dirty="0">
+              <a:solidFill>
+                <a:schemeClr val="bg1">
+                  <a:lumMod val="10000"/>
+                </a:schemeClr>
+              </a:solidFill>
+              <a:latin typeface="+mn-lt"/>
+              <a:ea typeface="Proxima Nova" charset="0"/>
+              <a:cs typeface="Proxima Nova" charset="0"/>
+              <a:sym typeface="Questrial"/>
+            </a:endParaRPr>
+          </a:p>
+          <a:p>
+            <a:pPr lvl="0" algn="just">
+              <a:lnSpc>
+                <a:spcPct val="120000"/>
+              </a:lnSpc>
+              <a:buSzPct val="25000"/>
+            </a:pPr>
+            <a:r>
+              <a:rPr lang="az-Cyrl-AZ" sz="4800" b="1" dirty="0">
+                <a:solidFill>
+                  <a:schemeClr val="bg1">
+                    <a:lumMod val="10000"/>
+                  </a:schemeClr>
+                </a:solidFill>
+                <a:latin typeface="+mn-lt"/>
+                <a:ea typeface="Proxima Nova" charset="0"/>
+                <a:cs typeface="Proxima Nova" charset="0"/>
+                <a:sym typeface="Questrial"/>
+              </a:rPr>
+              <a:t>спасибо тебе</a:t>
+            </a:r>
+            <a:endParaRPr lang="pt-BR" sz="4800" b="1" dirty="0">
+              <a:solidFill>
+                <a:schemeClr val="bg1">
+                  <a:lumMod val="10000"/>
+                </a:schemeClr>
+              </a:solidFill>
+              <a:latin typeface="+mn-lt"/>
+              <a:ea typeface="Proxima Nova" charset="0"/>
+              <a:cs typeface="Proxima Nova" charset="0"/>
+              <a:sym typeface="Questrial"/>
+            </a:endParaRPr>
+          </a:p>
+          <a:p>
+            <a:pPr lvl="0" algn="just">
+              <a:lnSpc>
+                <a:spcPct val="120000"/>
+              </a:lnSpc>
+              <a:buSzPct val="25000"/>
+            </a:pPr>
+            <a:r>
+              <a:rPr lang="ar-AE" sz="4800" b="1" dirty="0">
+                <a:solidFill>
+                  <a:schemeClr val="bg1">
+                    <a:lumMod val="10000"/>
+                  </a:schemeClr>
+                </a:solidFill>
+                <a:latin typeface="+mn-lt"/>
+                <a:ea typeface="Proxima Nova" charset="0"/>
+                <a:cs typeface="Proxima Nova" charset="0"/>
+                <a:sym typeface="Questrial"/>
+              </a:rPr>
+              <a:t>شكرا لك</a:t>
+            </a:r>
+            <a:endParaRPr lang="pt-BR" sz="4800" b="1" dirty="0">
+              <a:solidFill>
+                <a:schemeClr val="bg1">
+                  <a:lumMod val="10000"/>
+                </a:schemeClr>
+              </a:solidFill>
+              <a:latin typeface="+mn-lt"/>
+              <a:ea typeface="Proxima Nova" charset="0"/>
+              <a:cs typeface="Proxima Nova" charset="0"/>
+              <a:sym typeface="Questrial"/>
+            </a:endParaRPr>
+          </a:p>
+        </p:txBody>
+      </p:sp>
+      <p:sp>
+        <p:nvSpPr>
+          <p:cNvPr id="12" name="Shape 8276"/>
+          <p:cNvSpPr/>
+          <p:nvPr/>
+        </p:nvSpPr>
+        <p:spPr>
+          <a:xfrm>
+            <a:off x="551401" y="0"/>
+            <a:ext cx="418862" cy="13716000"/>
+          </a:xfrm>
+          <a:prstGeom prst="rect">
+            <a:avLst/>
+          </a:prstGeom>
+          <a:solidFill>
+            <a:srgbClr val="F14D4B"/>
+          </a:solidFill>
+          <a:ln>
+            <a:noFill/>
+          </a:ln>
+        </p:spPr>
+        <p:txBody>
+          <a:bodyPr lIns="91425" tIns="45700" rIns="91425" bIns="45700" anchor="ctr" anchorCtr="0">
+            <a:noAutofit/>
+          </a:bodyPr>
+          <a:lstStyle/>
+          <a:p>
+            <a:pPr algn="ctr"/>
+            <a:endParaRPr sz="1800">
+              <a:solidFill>
+                <a:srgbClr val="F0F0F0"/>
+              </a:solidFill>
+              <a:latin typeface="Calibri"/>
+              <a:ea typeface="Calibri"/>
+              <a:cs typeface="Calibri"/>
+              <a:sym typeface="Calibri"/>
+            </a:endParaRPr>
+          </a:p>
+        </p:txBody>
+      </p:sp>
+      <p:sp>
+        <p:nvSpPr>
+          <p:cNvPr id="14" name="Shape 8276"/>
+          <p:cNvSpPr/>
+          <p:nvPr/>
+        </p:nvSpPr>
+        <p:spPr>
+          <a:xfrm>
+            <a:off x="1142334" y="0"/>
+            <a:ext cx="418862" cy="13716000"/>
+          </a:xfrm>
+          <a:prstGeom prst="rect">
+            <a:avLst/>
+          </a:prstGeom>
+          <a:solidFill>
+            <a:srgbClr val="93479B"/>
+          </a:solidFill>
+          <a:ln>
+            <a:noFill/>
+          </a:ln>
+          <a:effectLst/>
+        </p:spPr>
+        <p:txBody>
+          <a:bodyPr lIns="91425" tIns="45700" rIns="91425" bIns="45700" anchor="ctr" anchorCtr="0">
+            <a:noAutofit/>
+          </a:bodyPr>
+          <a:lstStyle/>
+          <a:p>
+            <a:pPr algn="ctr"/>
+            <a:r>
+              <a:rPr lang="pt-BR" sz="1800" dirty="0">
+                <a:solidFill>
+                  <a:srgbClr val="F0F0F0"/>
+                </a:solidFill>
+                <a:latin typeface="Calibri"/>
+                <a:ea typeface="Calibri"/>
+                <a:cs typeface="Calibri"/>
+                <a:sym typeface="Calibri"/>
+              </a:rPr>
+              <a:t> </a:t>
+            </a:r>
+            <a:endParaRPr sz="1800" dirty="0">
+              <a:solidFill>
+                <a:srgbClr val="F0F0F0"/>
+              </a:solidFill>
+              <a:latin typeface="Calibri"/>
+              <a:ea typeface="Calibri"/>
+              <a:cs typeface="Calibri"/>
+              <a:sym typeface="Calibri"/>
+            </a:endParaRPr>
+          </a:p>
+        </p:txBody>
+      </p:sp>
+      <p:pic>
+        <p:nvPicPr>
+          <p:cNvPr id="7" name="Imagem 6"/>
+          <p:cNvPicPr>
+            <a:picLocks noChangeAspect="1"/>
+          </p:cNvPicPr>
+          <p:nvPr/>
+        </p:nvPicPr>
+        <p:blipFill>
+          <a:blip r:embed="rId3"/>
+          <a:stretch>
+            <a:fillRect/>
+          </a:stretch>
+        </p:blipFill>
+        <p:spPr>
+          <a:xfrm>
+            <a:off x="19570926" y="5622272"/>
+            <a:ext cx="3480254" cy="3110014"/>
+          </a:xfrm>
+          <a:prstGeom prst="rect">
+            <a:avLst/>
+          </a:prstGeom>
+        </p:spPr>
+      </p:pic>
+      <p:sp>
+        <p:nvSpPr>
+          <p:cNvPr id="20" name="Retângulo 19"/>
+          <p:cNvSpPr/>
+          <p:nvPr/>
+        </p:nvSpPr>
+        <p:spPr>
+          <a:xfrm>
+            <a:off x="2743200" y="690351"/>
+            <a:ext cx="14866669" cy="1077218"/>
+          </a:xfrm>
+          <a:prstGeom prst="rect">
+            <a:avLst/>
+          </a:prstGeom>
+        </p:spPr>
+        <p:txBody>
+          <a:bodyPr wrap="square">
+            <a:spAutoFit/>
+          </a:bodyPr>
+          <a:lstStyle/>
+          <a:p>
+            <a:r>
+              <a:rPr lang="pt-BR" sz="3200" dirty="0">
+                <a:solidFill>
+                  <a:schemeClr val="bg1">
+                    <a:lumMod val="10000"/>
+                  </a:schemeClr>
+                </a:solidFill>
+                <a:latin typeface="+mn-lt"/>
+                <a:ea typeface="Proxima Nova Light" charset="0"/>
+                <a:cs typeface="Proxima Nova Light" charset="0"/>
+              </a:rPr>
+              <a:t>Bacharel em Engenharia de Software / Sistemas de Informação </a:t>
+            </a:r>
+            <a:br>
+              <a:rPr lang="pt-BR" sz="3200" dirty="0">
+                <a:solidFill>
+                  <a:schemeClr val="bg1">
+                    <a:lumMod val="10000"/>
+                  </a:schemeClr>
+                </a:solidFill>
+                <a:latin typeface="+mn-lt"/>
+                <a:ea typeface="Proxima Nova Light" charset="0"/>
+                <a:cs typeface="Proxima Nova Light" charset="0"/>
+              </a:rPr>
+            </a:br>
+            <a:r>
+              <a:rPr lang="pt-BR" sz="3200" dirty="0">
+                <a:solidFill>
+                  <a:schemeClr val="bg1">
+                    <a:lumMod val="10000"/>
+                  </a:schemeClr>
+                </a:solidFill>
+                <a:latin typeface="+mn-lt"/>
+                <a:ea typeface="Proxima Nova Light" charset="0"/>
+                <a:cs typeface="Proxima Nova Light" charset="0"/>
+              </a:rPr>
+              <a:t>Estruturas de Dados</a:t>
+            </a:r>
+          </a:p>
+        </p:txBody>
+      </p:sp>
+      <p:sp>
+        <p:nvSpPr>
+          <p:cNvPr id="21" name="Retângulo 20"/>
+          <p:cNvSpPr/>
+          <p:nvPr/>
+        </p:nvSpPr>
+        <p:spPr>
+          <a:xfrm>
+            <a:off x="2743200" y="10471104"/>
+            <a:ext cx="14677202" cy="2554545"/>
+          </a:xfrm>
+          <a:prstGeom prst="rect">
+            <a:avLst/>
+          </a:prstGeom>
+        </p:spPr>
+        <p:txBody>
+          <a:bodyPr wrap="square">
+            <a:spAutoFit/>
+          </a:bodyPr>
+          <a:lstStyle/>
+          <a:p>
+            <a:pPr algn="just"/>
+            <a:r>
+              <a:rPr lang="pt-BR" sz="3200" dirty="0">
+                <a:solidFill>
+                  <a:schemeClr val="bg1">
+                    <a:lumMod val="10000"/>
+                  </a:schemeClr>
+                </a:solidFill>
+                <a:latin typeface="+mn-lt"/>
+                <a:ea typeface="Proxima Nova Light" charset="0"/>
+                <a:cs typeface="Proxima Nova Light" charset="0"/>
+              </a:rPr>
+              <a:t>Allan </a:t>
+            </a:r>
+            <a:r>
+              <a:rPr lang="pt-BR" sz="3200" dirty="0" err="1">
+                <a:solidFill>
+                  <a:schemeClr val="bg1">
+                    <a:lumMod val="10000"/>
+                  </a:schemeClr>
+                </a:solidFill>
+                <a:latin typeface="+mn-lt"/>
+                <a:ea typeface="Proxima Nova Light" charset="0"/>
+                <a:cs typeface="Proxima Nova Light" charset="0"/>
+              </a:rPr>
+              <a:t>Jhony</a:t>
+            </a:r>
+            <a:r>
+              <a:rPr lang="pt-BR" sz="3200" dirty="0">
+                <a:solidFill>
+                  <a:schemeClr val="bg1">
+                    <a:lumMod val="10000"/>
+                  </a:schemeClr>
+                </a:solidFill>
+                <a:latin typeface="+mn-lt"/>
+                <a:ea typeface="Proxima Nova Light" charset="0"/>
+                <a:cs typeface="Proxima Nova Light" charset="0"/>
+              </a:rPr>
+              <a:t> </a:t>
+            </a:r>
+            <a:r>
+              <a:rPr lang="pt-BR" sz="3200" dirty="0" err="1">
+                <a:solidFill>
+                  <a:schemeClr val="bg1">
+                    <a:lumMod val="10000"/>
+                  </a:schemeClr>
+                </a:solidFill>
+                <a:latin typeface="+mn-lt"/>
+                <a:ea typeface="Proxima Nova Light" charset="0"/>
+                <a:cs typeface="Proxima Nova Light" charset="0"/>
+              </a:rPr>
+              <a:t>Effting</a:t>
+            </a:r>
+            <a:endParaRPr lang="pt-BR" sz="3200" dirty="0">
+              <a:solidFill>
+                <a:schemeClr val="bg1">
+                  <a:lumMod val="10000"/>
+                </a:schemeClr>
+              </a:solidFill>
+              <a:latin typeface="+mn-lt"/>
+              <a:ea typeface="Proxima Nova Light" charset="0"/>
+              <a:cs typeface="Proxima Nova Light" charset="0"/>
+            </a:endParaRPr>
+          </a:p>
+          <a:p>
+            <a:pPr algn="just"/>
+            <a:r>
+              <a:rPr lang="pt-BR" sz="3200" dirty="0">
+                <a:solidFill>
+                  <a:schemeClr val="bg1">
+                    <a:lumMod val="10000"/>
+                  </a:schemeClr>
+                </a:solidFill>
+                <a:latin typeface="+mn-lt"/>
+                <a:ea typeface="Proxima Nova Light" charset="0"/>
+                <a:cs typeface="Proxima Nova Light" charset="0"/>
+              </a:rPr>
+              <a:t>Gabriel </a:t>
+            </a:r>
+            <a:r>
+              <a:rPr lang="pt-BR" sz="3200" dirty="0" err="1">
+                <a:solidFill>
+                  <a:schemeClr val="bg1">
+                    <a:lumMod val="10000"/>
+                  </a:schemeClr>
+                </a:solidFill>
+                <a:latin typeface="+mn-lt"/>
+                <a:ea typeface="Proxima Nova Light" charset="0"/>
+                <a:cs typeface="Proxima Nova Light" charset="0"/>
+              </a:rPr>
+              <a:t>Dezan</a:t>
+            </a:r>
+            <a:r>
+              <a:rPr lang="pt-BR" sz="3200" dirty="0">
+                <a:solidFill>
+                  <a:schemeClr val="bg1">
+                    <a:lumMod val="10000"/>
+                  </a:schemeClr>
+                </a:solidFill>
+                <a:latin typeface="+mn-lt"/>
+                <a:ea typeface="Proxima Nova Light" charset="0"/>
+                <a:cs typeface="Proxima Nova Light" charset="0"/>
+              </a:rPr>
+              <a:t> </a:t>
+            </a:r>
+            <a:r>
+              <a:rPr lang="pt-BR" sz="3200" dirty="0" err="1">
+                <a:solidFill>
+                  <a:schemeClr val="bg1">
+                    <a:lumMod val="10000"/>
+                  </a:schemeClr>
+                </a:solidFill>
+                <a:latin typeface="+mn-lt"/>
+                <a:ea typeface="Proxima Nova Light" charset="0"/>
+                <a:cs typeface="Proxima Nova Light" charset="0"/>
+              </a:rPr>
+              <a:t>Busarello</a:t>
+            </a:r>
+            <a:endParaRPr lang="pt-BR" sz="3200" dirty="0">
+              <a:solidFill>
+                <a:schemeClr val="bg1">
+                  <a:lumMod val="10000"/>
+                </a:schemeClr>
+              </a:solidFill>
+              <a:latin typeface="+mn-lt"/>
+              <a:ea typeface="Proxima Nova Light" charset="0"/>
+              <a:cs typeface="Proxima Nova Light" charset="0"/>
+            </a:endParaRPr>
+          </a:p>
+          <a:p>
+            <a:pPr algn="just"/>
+            <a:r>
+              <a:rPr lang="pt-BR" sz="3200" dirty="0">
+                <a:solidFill>
+                  <a:schemeClr val="bg1">
+                    <a:lumMod val="10000"/>
+                  </a:schemeClr>
+                </a:solidFill>
+                <a:latin typeface="+mn-lt"/>
+                <a:ea typeface="Proxima Nova Light" charset="0"/>
+                <a:cs typeface="Proxima Nova Light" charset="0"/>
+              </a:rPr>
+              <a:t>Rodrigo da Silva </a:t>
+            </a:r>
+            <a:r>
+              <a:rPr lang="pt-BR" sz="3200" dirty="0" err="1">
+                <a:solidFill>
+                  <a:schemeClr val="bg1">
+                    <a:lumMod val="10000"/>
+                  </a:schemeClr>
+                </a:solidFill>
+                <a:latin typeface="+mn-lt"/>
+                <a:ea typeface="Proxima Nova Light" charset="0"/>
+                <a:cs typeface="Proxima Nova Light" charset="0"/>
+              </a:rPr>
+              <a:t>Peruzzo</a:t>
+            </a:r>
+            <a:endParaRPr lang="pt-BR" sz="3200" dirty="0">
+              <a:solidFill>
+                <a:schemeClr val="bg1">
+                  <a:lumMod val="10000"/>
+                </a:schemeClr>
+              </a:solidFill>
+              <a:latin typeface="+mn-lt"/>
+              <a:ea typeface="Proxima Nova Light" charset="0"/>
+              <a:cs typeface="Proxima Nova Light" charset="0"/>
+            </a:endParaRPr>
+          </a:p>
+          <a:p>
+            <a:pPr algn="just"/>
+            <a:endParaRPr lang="pt-BR" sz="3200" dirty="0">
+              <a:solidFill>
+                <a:schemeClr val="bg1">
+                  <a:lumMod val="10000"/>
+                </a:schemeClr>
+              </a:solidFill>
+              <a:latin typeface="+mn-lt"/>
+              <a:ea typeface="Proxima Nova Light" charset="0"/>
+              <a:cs typeface="Proxima Nova Light" charset="0"/>
+            </a:endParaRPr>
+          </a:p>
+          <a:p>
+            <a:pPr algn="just"/>
+            <a:r>
+              <a:rPr lang="pt-BR" sz="3200" dirty="0">
+                <a:solidFill>
+                  <a:schemeClr val="bg1">
+                    <a:lumMod val="10000"/>
+                  </a:schemeClr>
+                </a:solidFill>
+                <a:latin typeface="+mn-lt"/>
+                <a:ea typeface="Proxima Nova Light" charset="0"/>
+                <a:cs typeface="Proxima Nova Light" charset="0"/>
+              </a:rPr>
+              <a:t>Professor </a:t>
+            </a:r>
+            <a:r>
+              <a:rPr lang="pt-BR" sz="3200" dirty="0" err="1">
+                <a:solidFill>
+                  <a:schemeClr val="bg1">
+                    <a:lumMod val="10000"/>
+                  </a:schemeClr>
+                </a:solidFill>
+                <a:latin typeface="+mn-lt"/>
+                <a:ea typeface="Proxima Nova Light" charset="0"/>
+                <a:cs typeface="Proxima Nova Light" charset="0"/>
+              </a:rPr>
+              <a:t>Msc</a:t>
+            </a:r>
+            <a:r>
+              <a:rPr lang="pt-BR" sz="3200" dirty="0">
+                <a:solidFill>
+                  <a:schemeClr val="bg1">
+                    <a:lumMod val="10000"/>
+                  </a:schemeClr>
+                </a:solidFill>
+                <a:latin typeface="+mn-lt"/>
+                <a:ea typeface="Proxima Nova Light" charset="0"/>
+                <a:cs typeface="Proxima Nova Light" charset="0"/>
+              </a:rPr>
+              <a:t>. </a:t>
+            </a:r>
+            <a:r>
+              <a:rPr lang="pt-BR" sz="3200" dirty="0" err="1">
+                <a:solidFill>
+                  <a:schemeClr val="bg1">
+                    <a:lumMod val="10000"/>
+                  </a:schemeClr>
+                </a:solidFill>
+                <a:latin typeface="+mn-lt"/>
+                <a:ea typeface="Proxima Nova Light" charset="0"/>
+                <a:cs typeface="Proxima Nova Light" charset="0"/>
+              </a:rPr>
+              <a:t>Leanderson</a:t>
+            </a:r>
+            <a:r>
+              <a:rPr lang="pt-BR" sz="3200" dirty="0">
+                <a:solidFill>
+                  <a:schemeClr val="bg1">
+                    <a:lumMod val="10000"/>
+                  </a:schemeClr>
+                </a:solidFill>
+                <a:latin typeface="+mn-lt"/>
+                <a:ea typeface="Proxima Nova Light" charset="0"/>
+                <a:cs typeface="Proxima Nova Light" charset="0"/>
+              </a:rPr>
+              <a:t> André</a:t>
+            </a:r>
+          </a:p>
+        </p:txBody>
+      </p:sp>
+    </p:spTree>
+    <p:extLst>
+      <p:ext uri="{BB962C8B-B14F-4D97-AF65-F5344CB8AC3E}">
+        <p14:creationId xmlns:p14="http://schemas.microsoft.com/office/powerpoint/2010/main" val="3569277190"/>
+      </p:ext>
+    </p:extLst>
   </p:cSld>
   <p:clrMapOvr>
     <a:masterClrMapping/>
@@ -3646,7 +6428,7 @@
                 <a:ea typeface="Proxima Nova" charset="0"/>
                 <a:cs typeface="Proxima Nova" charset="0"/>
               </a:rPr>
-              <a:t>Introdução.</a:t>
+              <a:t>Introdução</a:t>
             </a:r>
           </a:p>
           <a:p>
@@ -3672,7 +6454,7 @@
                 <a:ea typeface="Proxima Nova" charset="0"/>
                 <a:cs typeface="Proxima Nova" charset="0"/>
               </a:rPr>
-              <a:t>Item 2.</a:t>
+              <a:t>Implementação</a:t>
             </a:r>
           </a:p>
           <a:p>
@@ -3698,7 +6480,7 @@
                 <a:ea typeface="Proxima Nova" charset="0"/>
                 <a:cs typeface="Proxima Nova" charset="0"/>
               </a:rPr>
-              <a:t>Item 3. </a:t>
+              <a:t>Teste unitário</a:t>
             </a:r>
           </a:p>
         </p:txBody>
@@ -5558,6 +8340,408 @@
   <p:cSld>
     <p:spTree>
       <p:nvGrpSpPr>
+        <p:cNvPr id="1" name="Shape 16"/>
+        <p:cNvGrpSpPr/>
+        <p:nvPr/>
+      </p:nvGrpSpPr>
+      <p:grpSpPr>
+        <a:xfrm>
+          <a:off x="0" y="0"/>
+          <a:ext cx="0" cy="0"/>
+          <a:chOff x="0" y="0"/>
+          <a:chExt cx="0" cy="0"/>
+        </a:xfrm>
+      </p:grpSpPr>
+      <p:sp>
+        <p:nvSpPr>
+          <p:cNvPr id="13" name="Shape 8276"/>
+          <p:cNvSpPr/>
+          <p:nvPr/>
+        </p:nvSpPr>
+        <p:spPr>
+          <a:xfrm>
+            <a:off x="-23531" y="0"/>
+            <a:ext cx="418862" cy="13716000"/>
+          </a:xfrm>
+          <a:prstGeom prst="rect">
+            <a:avLst/>
+          </a:prstGeom>
+          <a:solidFill>
+            <a:srgbClr val="FFC341"/>
+          </a:solidFill>
+          <a:ln>
+            <a:noFill/>
+          </a:ln>
+        </p:spPr>
+        <p:txBody>
+          <a:bodyPr lIns="91425" tIns="45700" rIns="91425" bIns="45700" anchor="ctr" anchorCtr="0">
+            <a:noAutofit/>
+          </a:bodyPr>
+          <a:lstStyle/>
+          <a:p>
+            <a:pPr algn="ctr"/>
+            <a:endParaRPr sz="1800">
+              <a:solidFill>
+                <a:srgbClr val="F0F0F0"/>
+              </a:solidFill>
+              <a:latin typeface="Calibri"/>
+              <a:ea typeface="Calibri"/>
+              <a:cs typeface="Calibri"/>
+              <a:sym typeface="Calibri"/>
+            </a:endParaRPr>
+          </a:p>
+        </p:txBody>
+      </p:sp>
+      <p:sp>
+        <p:nvSpPr>
+          <p:cNvPr id="9" name="Shape 8276"/>
+          <p:cNvSpPr/>
+          <p:nvPr/>
+        </p:nvSpPr>
+        <p:spPr>
+          <a:xfrm>
+            <a:off x="18244459" y="0"/>
+            <a:ext cx="6133193" cy="13716000"/>
+          </a:xfrm>
+          <a:prstGeom prst="rect">
+            <a:avLst/>
+          </a:prstGeom>
+          <a:solidFill>
+            <a:srgbClr val="86C664"/>
+          </a:solidFill>
+          <a:ln>
+            <a:noFill/>
+          </a:ln>
+        </p:spPr>
+        <p:txBody>
+          <a:bodyPr lIns="91425" tIns="45700" rIns="91425" bIns="45700" anchor="ctr" anchorCtr="0">
+            <a:noAutofit/>
+          </a:bodyPr>
+          <a:lstStyle/>
+          <a:p>
+            <a:pPr algn="ctr"/>
+            <a:endParaRPr sz="1800">
+              <a:solidFill>
+                <a:srgbClr val="F0F0F0"/>
+              </a:solidFill>
+              <a:latin typeface="Calibri"/>
+              <a:ea typeface="Calibri"/>
+              <a:cs typeface="Calibri"/>
+              <a:sym typeface="Calibri"/>
+            </a:endParaRPr>
+          </a:p>
+        </p:txBody>
+      </p:sp>
+      <p:sp>
+        <p:nvSpPr>
+          <p:cNvPr id="11" name="Shape 26"/>
+          <p:cNvSpPr txBox="1"/>
+          <p:nvPr/>
+        </p:nvSpPr>
+        <p:spPr>
+          <a:xfrm>
+            <a:off x="970262" y="5622272"/>
+            <a:ext cx="16683263" cy="6173488"/>
+          </a:xfrm>
+          <a:prstGeom prst="rect">
+            <a:avLst/>
+          </a:prstGeom>
+          <a:noFill/>
+          <a:ln>
+            <a:noFill/>
+          </a:ln>
+        </p:spPr>
+        <p:txBody>
+          <a:bodyPr lIns="91425" tIns="45700" rIns="91425" bIns="45700" anchor="t" anchorCtr="0">
+            <a:noAutofit/>
+          </a:bodyPr>
+          <a:lstStyle/>
+          <a:p>
+            <a:pPr lvl="0" algn="ctr">
+              <a:lnSpc>
+                <a:spcPct val="120000"/>
+              </a:lnSpc>
+              <a:buSzPct val="25000"/>
+            </a:pPr>
+            <a:r>
+              <a:rPr lang="pt-BR" sz="7200" dirty="0">
+                <a:solidFill>
+                  <a:schemeClr val="accent6">
+                    <a:lumMod val="60000"/>
+                    <a:lumOff val="40000"/>
+                  </a:schemeClr>
+                </a:solidFill>
+                <a:latin typeface="+mn-lt"/>
+                <a:ea typeface="Proxima Nova" charset="0"/>
+                <a:cs typeface="Proxima Nova" charset="0"/>
+                <a:sym typeface="Questrial"/>
+              </a:rPr>
+              <a:t>2) </a:t>
+            </a:r>
+            <a:r>
+              <a:rPr lang="pt-BR" sz="8800" b="1" dirty="0">
+                <a:solidFill>
+                  <a:schemeClr val="bg1">
+                    <a:lumMod val="10000"/>
+                  </a:schemeClr>
+                </a:solidFill>
+                <a:latin typeface="+mn-lt"/>
+                <a:ea typeface="Proxima Nova" charset="0"/>
+                <a:cs typeface="Proxima Nova" charset="0"/>
+                <a:sym typeface="Questrial"/>
+              </a:rPr>
+              <a:t>Implementação</a:t>
+            </a:r>
+            <a:endParaRPr lang="de-DE" sz="8800" b="1" dirty="0">
+              <a:solidFill>
+                <a:schemeClr val="bg1">
+                  <a:lumMod val="10000"/>
+                </a:schemeClr>
+              </a:solidFill>
+              <a:latin typeface="+mn-lt"/>
+              <a:ea typeface="Proxima Nova" charset="0"/>
+              <a:cs typeface="Proxima Nova" charset="0"/>
+              <a:sym typeface="Questrial"/>
+            </a:endParaRPr>
+          </a:p>
+        </p:txBody>
+      </p:sp>
+      <p:sp>
+        <p:nvSpPr>
+          <p:cNvPr id="12" name="Shape 8276"/>
+          <p:cNvSpPr/>
+          <p:nvPr/>
+        </p:nvSpPr>
+        <p:spPr>
+          <a:xfrm>
+            <a:off x="551401" y="0"/>
+            <a:ext cx="418862" cy="13716000"/>
+          </a:xfrm>
+          <a:prstGeom prst="rect">
+            <a:avLst/>
+          </a:prstGeom>
+          <a:solidFill>
+            <a:srgbClr val="F14D4B"/>
+          </a:solidFill>
+          <a:ln>
+            <a:noFill/>
+          </a:ln>
+        </p:spPr>
+        <p:txBody>
+          <a:bodyPr lIns="91425" tIns="45700" rIns="91425" bIns="45700" anchor="ctr" anchorCtr="0">
+            <a:noAutofit/>
+          </a:bodyPr>
+          <a:lstStyle/>
+          <a:p>
+            <a:pPr algn="ctr"/>
+            <a:endParaRPr sz="1800">
+              <a:solidFill>
+                <a:srgbClr val="F0F0F0"/>
+              </a:solidFill>
+              <a:latin typeface="Calibri"/>
+              <a:ea typeface="Calibri"/>
+              <a:cs typeface="Calibri"/>
+              <a:sym typeface="Calibri"/>
+            </a:endParaRPr>
+          </a:p>
+        </p:txBody>
+      </p:sp>
+      <p:sp>
+        <p:nvSpPr>
+          <p:cNvPr id="14" name="Shape 8276"/>
+          <p:cNvSpPr/>
+          <p:nvPr/>
+        </p:nvSpPr>
+        <p:spPr>
+          <a:xfrm>
+            <a:off x="1142334" y="0"/>
+            <a:ext cx="418862" cy="13716000"/>
+          </a:xfrm>
+          <a:prstGeom prst="rect">
+            <a:avLst/>
+          </a:prstGeom>
+          <a:solidFill>
+            <a:srgbClr val="93479B"/>
+          </a:solidFill>
+          <a:ln>
+            <a:noFill/>
+          </a:ln>
+          <a:effectLst/>
+        </p:spPr>
+        <p:txBody>
+          <a:bodyPr lIns="91425" tIns="45700" rIns="91425" bIns="45700" anchor="ctr" anchorCtr="0">
+            <a:noAutofit/>
+          </a:bodyPr>
+          <a:lstStyle/>
+          <a:p>
+            <a:pPr algn="ctr"/>
+            <a:r>
+              <a:rPr lang="pt-BR" sz="1800" dirty="0">
+                <a:solidFill>
+                  <a:srgbClr val="F0F0F0"/>
+                </a:solidFill>
+                <a:latin typeface="Calibri"/>
+                <a:ea typeface="Calibri"/>
+                <a:cs typeface="Calibri"/>
+                <a:sym typeface="Calibri"/>
+              </a:rPr>
+              <a:t> </a:t>
+            </a:r>
+            <a:endParaRPr sz="1800" dirty="0">
+              <a:solidFill>
+                <a:srgbClr val="F0F0F0"/>
+              </a:solidFill>
+              <a:latin typeface="Calibri"/>
+              <a:ea typeface="Calibri"/>
+              <a:cs typeface="Calibri"/>
+              <a:sym typeface="Calibri"/>
+            </a:endParaRPr>
+          </a:p>
+        </p:txBody>
+      </p:sp>
+      <p:pic>
+        <p:nvPicPr>
+          <p:cNvPr id="7" name="Imagem 6"/>
+          <p:cNvPicPr>
+            <a:picLocks noChangeAspect="1"/>
+          </p:cNvPicPr>
+          <p:nvPr/>
+        </p:nvPicPr>
+        <p:blipFill>
+          <a:blip r:embed="rId3"/>
+          <a:stretch>
+            <a:fillRect/>
+          </a:stretch>
+        </p:blipFill>
+        <p:spPr>
+          <a:xfrm>
+            <a:off x="19570926" y="5622272"/>
+            <a:ext cx="3480254" cy="3110014"/>
+          </a:xfrm>
+          <a:prstGeom prst="rect">
+            <a:avLst/>
+          </a:prstGeom>
+        </p:spPr>
+      </p:pic>
+    </p:spTree>
+    <p:extLst>
+      <p:ext uri="{BB962C8B-B14F-4D97-AF65-F5344CB8AC3E}">
+        <p14:creationId xmlns:p14="http://schemas.microsoft.com/office/powerpoint/2010/main" val="2166232182"/>
+      </p:ext>
+    </p:extLst>
+  </p:cSld>
+  <p:clrMapOvr>
+    <a:masterClrMapping/>
+  </p:clrMapOvr>
+  <p:timing>
+    <p:tnLst>
+      <p:par>
+        <p:cTn id="1" dur="indefinite" restart="never" nodeType="tmRoot">
+          <p:childTnLst>
+            <p:seq concurrent="1" nextAc="seek">
+              <p:cTn id="2" dur="indefinite" nodeType="mainSeq">
+                <p:childTnLst>
+                  <p:par>
+                    <p:cTn id="3" fill="hold">
+                      <p:stCondLst>
+                        <p:cond delay="indefinite"/>
+                        <p:cond evt="onBegin" delay="0">
+                          <p:tn val="2"/>
+                        </p:cond>
+                      </p:stCondLst>
+                      <p:childTnLst>
+                        <p:par>
+                          <p:cTn id="4" fill="hold">
+                            <p:stCondLst>
+                              <p:cond delay="0"/>
+                            </p:stCondLst>
+                            <p:childTnLst>
+                              <p:par>
+                                <p:cTn id="5" presetID="2" presetClass="entr" presetSubtype="4" fill="hold" nodeType="withEffect">
+                                  <p:stCondLst>
+                                    <p:cond delay="0"/>
+                                  </p:stCondLst>
+                                  <p:childTnLst>
+                                    <p:set>
+                                      <p:cBhvr>
+                                        <p:cTn id="6" dur="1" fill="hold">
+                                          <p:stCondLst>
+                                            <p:cond delay="0"/>
+                                          </p:stCondLst>
+                                        </p:cTn>
+                                        <p:tgtEl>
+                                          <p:spTgt spid="11"/>
+                                        </p:tgtEl>
+                                        <p:attrNameLst>
+                                          <p:attrName>style.visibility</p:attrName>
+                                        </p:attrNameLst>
+                                      </p:cBhvr>
+                                      <p:to>
+                                        <p:strVal val="visible"/>
+                                      </p:to>
+                                    </p:set>
+                                    <p:anim calcmode="lin" valueType="num">
+                                      <p:cBhvr additive="base">
+                                        <p:cTn id="7" dur="500"/>
+                                        <p:tgtEl>
+                                          <p:spTgt spid="11"/>
+                                        </p:tgtEl>
+                                        <p:attrNameLst>
+                                          <p:attrName>ppt_y</p:attrName>
+                                        </p:attrNameLst>
+                                      </p:cBhvr>
+                                      <p:tavLst>
+                                        <p:tav tm="0">
+                                          <p:val>
+                                            <p:strVal val="#ppt_y+1"/>
+                                          </p:val>
+                                        </p:tav>
+                                        <p:tav tm="100000">
+                                          <p:val>
+                                            <p:strVal val="#ppt_y"/>
+                                          </p:val>
+                                        </p:tav>
+                                      </p:tavLst>
+                                    </p:anim>
+                                  </p:childTnLst>
+                                </p:cTn>
+                              </p:par>
+                            </p:childTnLst>
+                          </p:cTn>
+                        </p:par>
+                      </p:childTnLst>
+                    </p:cTn>
+                  </p:par>
+                </p:childTnLst>
+              </p:cTn>
+              <p:prevCondLst>
+                <p:cond evt="onPrev" delay="0">
+                  <p:tgtEl>
+                    <p:sldTgt/>
+                  </p:tgtEl>
+                </p:cond>
+              </p:prevCondLst>
+              <p:nextCondLst>
+                <p:cond evt="onNext" delay="0">
+                  <p:tgtEl>
+                    <p:sldTgt/>
+                  </p:tgtEl>
+                </p:cond>
+              </p:nextCondLst>
+            </p:seq>
+          </p:childTnLst>
+        </p:cTn>
+      </p:par>
+    </p:tnLst>
+  </p:timing>
+</p:sld>
+</file>
+
+<file path=ppt/slides/slide6.xml><?xml version="1.0" encoding="utf-8"?>
+<p:sld xmlns:a="http://schemas.openxmlformats.org/drawingml/2006/main" xmlns:r="http://schemas.openxmlformats.org/officeDocument/2006/relationships" xmlns:p="http://schemas.openxmlformats.org/presentationml/2006/main">
+  <p:cSld>
+    <p:spTree>
+      <p:nvGrpSpPr>
         <p:cNvPr id="1" name="Shape 23"/>
         <p:cNvGrpSpPr/>
         <p:nvPr/>
@@ -5659,7 +8843,7 @@
         <p:spPr>
           <a:xfrm>
             <a:off x="1481956" y="3007921"/>
-            <a:ext cx="20652696" cy="3845092"/>
+            <a:ext cx="20652696" cy="1924566"/>
           </a:xfrm>
           <a:prstGeom prst="rect">
             <a:avLst/>
@@ -5676,57 +8860,15 @@
                 <a:spcPct val="120000"/>
               </a:lnSpc>
             </a:pPr>
-            <a:r>
-              <a:rPr lang="pt-BR" sz="5200" b="1" dirty="0">
-                <a:solidFill>
-                  <a:schemeClr val="bg1">
-                    <a:lumMod val="10000"/>
-                  </a:schemeClr>
-                </a:solidFill>
-                <a:latin typeface="+mn-lt"/>
-                <a:ea typeface="Proxima Nova" charset="0"/>
-                <a:cs typeface="Proxima Nova" charset="0"/>
-              </a:rPr>
-              <a:t>Referências:</a:t>
-            </a:r>
-          </a:p>
-          <a:p>
-            <a:pPr algn="just">
-              <a:lnSpc>
-                <a:spcPct val="120000"/>
-              </a:lnSpc>
-            </a:pPr>
-            <a:r>
-              <a:rPr lang="pt-BR" sz="5200" dirty="0">
-                <a:solidFill>
-                  <a:schemeClr val="bg1">
-                    <a:lumMod val="10000"/>
-                  </a:schemeClr>
-                </a:solidFill>
-                <a:ea typeface="Proxima Nova" charset="0"/>
-                <a:cs typeface="Proxima Nova" charset="0"/>
-              </a:rPr>
-              <a:t>Livro XYZ.</a:t>
-            </a:r>
-          </a:p>
-          <a:p>
-            <a:pPr algn="just">
-              <a:lnSpc>
-                <a:spcPct val="120000"/>
-              </a:lnSpc>
-            </a:pPr>
-            <a:r>
-              <a:rPr lang="pt-BR" sz="5200" dirty="0">
-                <a:solidFill>
-                  <a:schemeClr val="bg1">
-                    <a:lumMod val="10000"/>
-                  </a:schemeClr>
-                </a:solidFill>
-                <a:ea typeface="Proxima Nova" charset="0"/>
-                <a:cs typeface="Proxima Nova" charset="0"/>
-              </a:rPr>
-              <a:t>Livro XYZ.</a:t>
-            </a:r>
+            <a:endParaRPr lang="pt-BR" sz="5200" dirty="0">
+              <a:solidFill>
+                <a:schemeClr val="bg1">
+                  <a:lumMod val="10000"/>
+                </a:schemeClr>
+              </a:solidFill>
+              <a:ea typeface="Proxima Nova" charset="0"/>
+              <a:cs typeface="Proxima Nova" charset="0"/>
+            </a:endParaRPr>
           </a:p>
           <a:p>
             <a:pPr algn="just">
@@ -6084,6 +9226,36 @@
           </a:fontRef>
         </p:style>
       </p:cxnSp>
+      <p:pic>
+        <p:nvPicPr>
+          <p:cNvPr id="3" name="Imagem 2">
+            <a:extLst>
+              <a:ext uri="{FF2B5EF4-FFF2-40B4-BE49-F238E27FC236}">
+                <a16:creationId xmlns:a16="http://schemas.microsoft.com/office/drawing/2014/main" id="{B431938C-3BBA-4A45-999D-DD1F200C8CDF}"/>
+              </a:ext>
+            </a:extLst>
+          </p:cNvPr>
+          <p:cNvPicPr>
+            <a:picLocks noChangeAspect="1"/>
+          </p:cNvPicPr>
+          <p:nvPr/>
+        </p:nvPicPr>
+        <p:blipFill>
+          <a:blip r:embed="rId4"/>
+          <a:stretch>
+            <a:fillRect/>
+          </a:stretch>
+        </p:blipFill>
+        <p:spPr>
+          <a:xfrm>
+            <a:off x="5301096" y="2438400"/>
+            <a:ext cx="13062550" cy="9020175"/>
+          </a:xfrm>
+          <a:prstGeom prst="rect">
+            <a:avLst/>
+          </a:prstGeom>
+        </p:spPr>
+      </p:pic>
     </p:spTree>
     <p:extLst>
       <p:ext uri="{BB962C8B-B14F-4D97-AF65-F5344CB8AC3E}">
@@ -6248,17 +9420,1375 @@
 </p:sld>
 </file>
 
-<file path=ppt/slides/slide6.xml><?xml version="1.0" encoding="utf-8"?>
+<file path=ppt/slides/slide7.xml><?xml version="1.0" encoding="utf-8"?>
 <p:sld xmlns:a="http://schemas.openxmlformats.org/drawingml/2006/main" xmlns:r="http://schemas.openxmlformats.org/officeDocument/2006/relationships" xmlns:p="http://schemas.openxmlformats.org/presentationml/2006/main">
   <p:cSld>
-    <p:bg>
-      <p:bgPr>
-        <a:solidFill>
-          <a:schemeClr val="lt1"/>
-        </a:solidFill>
-        <a:effectLst/>
-      </p:bgPr>
-    </p:bg>
+    <p:spTree>
+      <p:nvGrpSpPr>
+        <p:cNvPr id="1" name="Shape 23"/>
+        <p:cNvGrpSpPr/>
+        <p:nvPr/>
+      </p:nvGrpSpPr>
+      <p:grpSpPr>
+        <a:xfrm>
+          <a:off x="0" y="0"/>
+          <a:ext cx="0" cy="0"/>
+          <a:chOff x="0" y="0"/>
+          <a:chExt cx="0" cy="0"/>
+        </a:xfrm>
+      </p:grpSpPr>
+      <p:sp>
+        <p:nvSpPr>
+          <p:cNvPr id="25" name="Shape 25"/>
+          <p:cNvSpPr/>
+          <p:nvPr/>
+        </p:nvSpPr>
+        <p:spPr>
+          <a:xfrm>
+            <a:off x="1498645" y="1934173"/>
+            <a:ext cx="1724184" cy="45718"/>
+          </a:xfrm>
+          <a:prstGeom prst="rect">
+            <a:avLst/>
+          </a:prstGeom>
+          <a:solidFill>
+            <a:srgbClr val="92D050"/>
+          </a:solidFill>
+          <a:ln>
+            <a:noFill/>
+          </a:ln>
+        </p:spPr>
+        <p:txBody>
+          <a:bodyPr lIns="91425" tIns="45700" rIns="91425" bIns="45700" anchor="ctr" anchorCtr="0">
+            <a:noAutofit/>
+          </a:bodyPr>
+          <a:lstStyle/>
+          <a:p>
+            <a:pPr algn="ctr"/>
+            <a:endParaRPr sz="1800">
+              <a:solidFill>
+                <a:schemeClr val="lt1"/>
+              </a:solidFill>
+              <a:latin typeface="Calibri"/>
+              <a:ea typeface="Calibri"/>
+              <a:cs typeface="Calibri"/>
+              <a:sym typeface="Calibri"/>
+            </a:endParaRPr>
+          </a:p>
+        </p:txBody>
+      </p:sp>
+      <p:sp>
+        <p:nvSpPr>
+          <p:cNvPr id="35" name="Shape 35"/>
+          <p:cNvSpPr/>
+          <p:nvPr/>
+        </p:nvSpPr>
+        <p:spPr>
+          <a:xfrm>
+            <a:off x="678666" y="979325"/>
+            <a:ext cx="819979" cy="819979"/>
+          </a:xfrm>
+          <a:prstGeom prst="ellipse">
+            <a:avLst/>
+          </a:prstGeom>
+          <a:solidFill>
+            <a:srgbClr val="92D050"/>
+          </a:solidFill>
+          <a:ln>
+            <a:noFill/>
+          </a:ln>
+        </p:spPr>
+        <p:txBody>
+          <a:bodyPr lIns="91425" tIns="45700" rIns="91425" bIns="45700" anchor="ctr" anchorCtr="0">
+            <a:noAutofit/>
+          </a:bodyPr>
+          <a:lstStyle/>
+          <a:p>
+            <a:pPr algn="ctr"/>
+            <a:endParaRPr sz="1800">
+              <a:solidFill>
+                <a:schemeClr val="lt1"/>
+              </a:solidFill>
+              <a:latin typeface="Calibri"/>
+              <a:ea typeface="Calibri"/>
+              <a:cs typeface="Calibri"/>
+              <a:sym typeface="Calibri"/>
+            </a:endParaRPr>
+          </a:p>
+        </p:txBody>
+      </p:sp>
+      <p:sp>
+        <p:nvSpPr>
+          <p:cNvPr id="18" name="Retângulo 17"/>
+          <p:cNvSpPr/>
+          <p:nvPr/>
+        </p:nvSpPr>
+        <p:spPr>
+          <a:xfrm>
+            <a:off x="1481956" y="3007921"/>
+            <a:ext cx="20652696" cy="1924566"/>
+          </a:xfrm>
+          <a:prstGeom prst="rect">
+            <a:avLst/>
+          </a:prstGeom>
+        </p:spPr>
+        <p:txBody>
+          <a:bodyPr wrap="square">
+            <a:spAutoFit/>
+          </a:bodyPr>
+          <a:lstStyle/>
+          <a:p>
+            <a:pPr>
+              <a:lnSpc>
+                <a:spcPct val="120000"/>
+              </a:lnSpc>
+            </a:pPr>
+            <a:endParaRPr lang="pt-BR" sz="5200" dirty="0">
+              <a:solidFill>
+                <a:schemeClr val="bg1">
+                  <a:lumMod val="10000"/>
+                </a:schemeClr>
+              </a:solidFill>
+              <a:ea typeface="Proxima Nova" charset="0"/>
+              <a:cs typeface="Proxima Nova" charset="0"/>
+            </a:endParaRPr>
+          </a:p>
+          <a:p>
+            <a:pPr algn="just">
+              <a:lnSpc>
+                <a:spcPct val="120000"/>
+              </a:lnSpc>
+            </a:pPr>
+            <a:endParaRPr lang="pt-BR" sz="5200" b="1" dirty="0">
+              <a:solidFill>
+                <a:schemeClr val="accent6">
+                  <a:lumMod val="50000"/>
+                </a:schemeClr>
+              </a:solidFill>
+              <a:ea typeface="Proxima Nova" charset="0"/>
+              <a:cs typeface="Proxima Nova" charset="0"/>
+            </a:endParaRPr>
+          </a:p>
+        </p:txBody>
+      </p:sp>
+      <p:grpSp>
+        <p:nvGrpSpPr>
+          <p:cNvPr id="2" name="Grupo 1"/>
+          <p:cNvGrpSpPr/>
+          <p:nvPr/>
+        </p:nvGrpSpPr>
+        <p:grpSpPr>
+          <a:xfrm>
+            <a:off x="22717125" y="2438400"/>
+            <a:ext cx="1036726" cy="9906000"/>
+            <a:chOff x="22169124" y="0"/>
+            <a:chExt cx="1584727" cy="13716000"/>
+          </a:xfrm>
+        </p:grpSpPr>
+        <p:sp>
+          <p:nvSpPr>
+            <p:cNvPr id="22" name="Shape 8276"/>
+            <p:cNvSpPr/>
+            <p:nvPr/>
+          </p:nvSpPr>
+          <p:spPr>
+            <a:xfrm>
+              <a:off x="22169124" y="0"/>
+              <a:ext cx="418862" cy="13716000"/>
+            </a:xfrm>
+            <a:prstGeom prst="rect">
+              <a:avLst/>
+            </a:prstGeom>
+            <a:solidFill>
+              <a:srgbClr val="FFC341"/>
+            </a:solidFill>
+            <a:ln>
+              <a:noFill/>
+            </a:ln>
+          </p:spPr>
+          <p:txBody>
+            <a:bodyPr lIns="91425" tIns="45700" rIns="91425" bIns="45700" anchor="ctr" anchorCtr="0">
+              <a:noAutofit/>
+            </a:bodyPr>
+            <a:lstStyle/>
+            <a:p>
+              <a:pPr algn="ctr"/>
+              <a:endParaRPr sz="1800">
+                <a:solidFill>
+                  <a:srgbClr val="F0F0F0"/>
+                </a:solidFill>
+                <a:latin typeface="Calibri"/>
+                <a:ea typeface="Calibri"/>
+                <a:cs typeface="Calibri"/>
+                <a:sym typeface="Calibri"/>
+              </a:endParaRPr>
+            </a:p>
+          </p:txBody>
+        </p:sp>
+        <p:sp>
+          <p:nvSpPr>
+            <p:cNvPr id="23" name="Shape 8276"/>
+            <p:cNvSpPr/>
+            <p:nvPr/>
+          </p:nvSpPr>
+          <p:spPr>
+            <a:xfrm>
+              <a:off x="22744056" y="0"/>
+              <a:ext cx="418862" cy="13716000"/>
+            </a:xfrm>
+            <a:prstGeom prst="rect">
+              <a:avLst/>
+            </a:prstGeom>
+            <a:solidFill>
+              <a:srgbClr val="F14D4B"/>
+            </a:solidFill>
+            <a:ln>
+              <a:noFill/>
+            </a:ln>
+          </p:spPr>
+          <p:txBody>
+            <a:bodyPr lIns="91425" tIns="45700" rIns="91425" bIns="45700" anchor="ctr" anchorCtr="0">
+              <a:noAutofit/>
+            </a:bodyPr>
+            <a:lstStyle/>
+            <a:p>
+              <a:pPr algn="ctr"/>
+              <a:endParaRPr sz="1800">
+                <a:solidFill>
+                  <a:srgbClr val="F0F0F0"/>
+                </a:solidFill>
+                <a:latin typeface="Calibri"/>
+                <a:ea typeface="Calibri"/>
+                <a:cs typeface="Calibri"/>
+                <a:sym typeface="Calibri"/>
+              </a:endParaRPr>
+            </a:p>
+          </p:txBody>
+        </p:sp>
+        <p:sp>
+          <p:nvSpPr>
+            <p:cNvPr id="37" name="Shape 8276"/>
+            <p:cNvSpPr/>
+            <p:nvPr/>
+          </p:nvSpPr>
+          <p:spPr>
+            <a:xfrm>
+              <a:off x="23334989" y="0"/>
+              <a:ext cx="418862" cy="13716000"/>
+            </a:xfrm>
+            <a:prstGeom prst="rect">
+              <a:avLst/>
+            </a:prstGeom>
+            <a:solidFill>
+              <a:srgbClr val="93479B"/>
+            </a:solidFill>
+            <a:ln>
+              <a:noFill/>
+            </a:ln>
+            <a:effectLst/>
+          </p:spPr>
+          <p:txBody>
+            <a:bodyPr lIns="91425" tIns="45700" rIns="91425" bIns="45700" anchor="ctr" anchorCtr="0">
+              <a:noAutofit/>
+            </a:bodyPr>
+            <a:lstStyle/>
+            <a:p>
+              <a:pPr algn="ctr"/>
+              <a:r>
+                <a:rPr lang="pt-BR" sz="1800" dirty="0">
+                  <a:solidFill>
+                    <a:srgbClr val="F0F0F0"/>
+                  </a:solidFill>
+                  <a:latin typeface="Calibri"/>
+                  <a:ea typeface="Calibri"/>
+                  <a:cs typeface="Calibri"/>
+                  <a:sym typeface="Calibri"/>
+                </a:rPr>
+                <a:t> </a:t>
+              </a:r>
+              <a:endParaRPr sz="1800" dirty="0">
+                <a:solidFill>
+                  <a:srgbClr val="F0F0F0"/>
+                </a:solidFill>
+                <a:latin typeface="Calibri"/>
+                <a:ea typeface="Calibri"/>
+                <a:cs typeface="Calibri"/>
+                <a:sym typeface="Calibri"/>
+              </a:endParaRPr>
+            </a:p>
+          </p:txBody>
+        </p:sp>
+      </p:grpSp>
+      <p:sp>
+        <p:nvSpPr>
+          <p:cNvPr id="12" name="Retângulo 10">
+            <a:extLst>
+              <a:ext uri="{FF2B5EF4-FFF2-40B4-BE49-F238E27FC236}">
+                <a16:creationId xmlns:a16="http://schemas.microsoft.com/office/drawing/2014/main" id="{F57192DE-0E4C-7042-9EBB-ABE2561F9AF0}"/>
+              </a:ext>
+            </a:extLst>
+          </p:cNvPr>
+          <p:cNvSpPr/>
+          <p:nvPr/>
+        </p:nvSpPr>
+        <p:spPr>
+          <a:xfrm>
+            <a:off x="1641976" y="1142646"/>
+            <a:ext cx="14677202" cy="584775"/>
+          </a:xfrm>
+          <a:prstGeom prst="rect">
+            <a:avLst/>
+          </a:prstGeom>
+        </p:spPr>
+        <p:txBody>
+          <a:bodyPr wrap="square">
+            <a:spAutoFit/>
+          </a:bodyPr>
+          <a:lstStyle/>
+          <a:p>
+            <a:r>
+              <a:rPr lang="pt-BR" sz="3200" dirty="0">
+                <a:solidFill>
+                  <a:schemeClr val="bg1">
+                    <a:lumMod val="10000"/>
+                  </a:schemeClr>
+                </a:solidFill>
+                <a:ea typeface="Proxima Nova Light" charset="0"/>
+                <a:cs typeface="Proxima Nova Light" charset="0"/>
+              </a:rPr>
+              <a:t>Estruturas de Dados</a:t>
+            </a:r>
+            <a:endParaRPr lang="pt-BR" sz="3200" dirty="0">
+              <a:solidFill>
+                <a:schemeClr val="tx1"/>
+              </a:solidFill>
+              <a:latin typeface="+mn-lt"/>
+              <a:ea typeface="Proxima Nova Light" charset="0"/>
+              <a:cs typeface="Proxima Nova Light" charset="0"/>
+            </a:endParaRPr>
+          </a:p>
+        </p:txBody>
+      </p:sp>
+      <p:pic>
+        <p:nvPicPr>
+          <p:cNvPr id="13" name="Picture 12">
+            <a:extLst>
+              <a:ext uri="{FF2B5EF4-FFF2-40B4-BE49-F238E27FC236}">
+                <a16:creationId xmlns:a16="http://schemas.microsoft.com/office/drawing/2014/main" id="{73FE3BA8-D3B1-404B-8FD9-5261934C9494}"/>
+              </a:ext>
+            </a:extLst>
+          </p:cNvPr>
+          <p:cNvPicPr>
+            <a:picLocks noChangeAspect="1"/>
+          </p:cNvPicPr>
+          <p:nvPr/>
+        </p:nvPicPr>
+        <p:blipFill>
+          <a:blip r:embed="rId3"/>
+          <a:stretch>
+            <a:fillRect/>
+          </a:stretch>
+        </p:blipFill>
+        <p:spPr>
+          <a:xfrm>
+            <a:off x="22659738" y="733859"/>
+            <a:ext cx="1039246" cy="1039246"/>
+          </a:xfrm>
+          <a:prstGeom prst="rect">
+            <a:avLst/>
+          </a:prstGeom>
+        </p:spPr>
+      </p:pic>
+      <p:sp>
+        <p:nvSpPr>
+          <p:cNvPr id="14" name="Rectangle 13">
+            <a:extLst>
+              <a:ext uri="{FF2B5EF4-FFF2-40B4-BE49-F238E27FC236}">
+                <a16:creationId xmlns:a16="http://schemas.microsoft.com/office/drawing/2014/main" id="{06C332E7-DB23-284D-AF3D-D9D7E4232C83}"/>
+              </a:ext>
+            </a:extLst>
+          </p:cNvPr>
+          <p:cNvSpPr/>
+          <p:nvPr/>
+        </p:nvSpPr>
+        <p:spPr>
+          <a:xfrm>
+            <a:off x="16319178" y="837983"/>
+            <a:ext cx="5658921" cy="830997"/>
+          </a:xfrm>
+          <a:prstGeom prst="rect">
+            <a:avLst/>
+          </a:prstGeom>
+        </p:spPr>
+        <p:txBody>
+          <a:bodyPr wrap="none">
+            <a:spAutoFit/>
+          </a:bodyPr>
+          <a:lstStyle/>
+          <a:p>
+            <a:pPr algn="r"/>
+            <a:r>
+              <a:rPr lang="pt-BR" sz="2400" dirty="0">
+                <a:solidFill>
+                  <a:schemeClr val="bg1">
+                    <a:lumMod val="10000"/>
+                  </a:schemeClr>
+                </a:solidFill>
+                <a:latin typeface="Batang" panose="02030600000101010101" pitchFamily="18" charset="-127"/>
+                <a:ea typeface="Batang" panose="02030600000101010101" pitchFamily="18" charset="-127"/>
+                <a:cs typeface="Arial Narrow" panose="020B0604020202020204" pitchFamily="34" charset="0"/>
+              </a:rPr>
+              <a:t>Bacharel em Engenharia de Software</a:t>
+            </a:r>
+          </a:p>
+          <a:p>
+            <a:pPr algn="r"/>
+            <a:r>
+              <a:rPr lang="pt-BR" sz="2400" dirty="0">
+                <a:solidFill>
+                  <a:schemeClr val="bg1">
+                    <a:lumMod val="10000"/>
+                  </a:schemeClr>
+                </a:solidFill>
+                <a:latin typeface="Batang" panose="02030600000101010101" pitchFamily="18" charset="-127"/>
+                <a:ea typeface="Batang" panose="02030600000101010101" pitchFamily="18" charset="-127"/>
+                <a:cs typeface="Arial Narrow" panose="020B0604020202020204" pitchFamily="34" charset="0"/>
+              </a:rPr>
+              <a:t>Sistemas de Informação</a:t>
+            </a:r>
+            <a:endParaRPr lang="en-US" sz="2400" dirty="0">
+              <a:latin typeface="Batang" panose="02030600000101010101" pitchFamily="18" charset="-127"/>
+              <a:ea typeface="Batang" panose="02030600000101010101" pitchFamily="18" charset="-127"/>
+              <a:cs typeface="Arial Narrow" panose="020B0604020202020204" pitchFamily="34" charset="0"/>
+            </a:endParaRPr>
+          </a:p>
+        </p:txBody>
+      </p:sp>
+      <p:cxnSp>
+        <p:nvCxnSpPr>
+          <p:cNvPr id="15" name="Straight Connector 14">
+            <a:extLst>
+              <a:ext uri="{FF2B5EF4-FFF2-40B4-BE49-F238E27FC236}">
+                <a16:creationId xmlns:a16="http://schemas.microsoft.com/office/drawing/2014/main" id="{DBD6EE15-515A-9440-B3A2-0A071B7348D5}"/>
+              </a:ext>
+            </a:extLst>
+          </p:cNvPr>
+          <p:cNvCxnSpPr>
+            <a:cxnSpLocks/>
+          </p:cNvCxnSpPr>
+          <p:nvPr/>
+        </p:nvCxnSpPr>
+        <p:spPr>
+          <a:xfrm>
+            <a:off x="22222691" y="733859"/>
+            <a:ext cx="0" cy="1065445"/>
+          </a:xfrm>
+          <a:prstGeom prst="line">
+            <a:avLst/>
+          </a:prstGeom>
+          <a:ln w="63500">
+            <a:solidFill>
+              <a:schemeClr val="accent6">
+                <a:lumMod val="75000"/>
+              </a:schemeClr>
+            </a:solidFill>
+          </a:ln>
+        </p:spPr>
+        <p:style>
+          <a:lnRef idx="1">
+            <a:schemeClr val="accent1"/>
+          </a:lnRef>
+          <a:fillRef idx="0">
+            <a:schemeClr val="accent1"/>
+          </a:fillRef>
+          <a:effectRef idx="0">
+            <a:schemeClr val="accent1"/>
+          </a:effectRef>
+          <a:fontRef idx="minor">
+            <a:schemeClr val="tx1"/>
+          </a:fontRef>
+        </p:style>
+      </p:cxnSp>
+      <p:pic>
+        <p:nvPicPr>
+          <p:cNvPr id="4" name="Imagem 3">
+            <a:extLst>
+              <a:ext uri="{FF2B5EF4-FFF2-40B4-BE49-F238E27FC236}">
+                <a16:creationId xmlns:a16="http://schemas.microsoft.com/office/drawing/2014/main" id="{C0EEE380-B0DE-4151-9BD0-D52266C55123}"/>
+              </a:ext>
+            </a:extLst>
+          </p:cNvPr>
+          <p:cNvPicPr>
+            <a:picLocks noChangeAspect="1"/>
+          </p:cNvPicPr>
+          <p:nvPr/>
+        </p:nvPicPr>
+        <p:blipFill>
+          <a:blip r:embed="rId4"/>
+          <a:stretch>
+            <a:fillRect/>
+          </a:stretch>
+        </p:blipFill>
+        <p:spPr>
+          <a:xfrm>
+            <a:off x="4533901" y="2499475"/>
+            <a:ext cx="15309847" cy="10073879"/>
+          </a:xfrm>
+          <a:prstGeom prst="rect">
+            <a:avLst/>
+          </a:prstGeom>
+        </p:spPr>
+      </p:pic>
+    </p:spTree>
+    <p:extLst>
+      <p:ext uri="{BB962C8B-B14F-4D97-AF65-F5344CB8AC3E}">
+        <p14:creationId xmlns:p14="http://schemas.microsoft.com/office/powerpoint/2010/main" val="670401261"/>
+      </p:ext>
+    </p:extLst>
+  </p:cSld>
+  <p:clrMapOvr>
+    <a:masterClrMapping/>
+  </p:clrMapOvr>
+  <p:timing>
+    <p:tnLst>
+      <p:par>
+        <p:cTn id="1" dur="indefinite" restart="never" nodeType="tmRoot">
+          <p:childTnLst>
+            <p:seq concurrent="1" nextAc="seek">
+              <p:cTn id="2" dur="indefinite" nodeType="mainSeq">
+                <p:childTnLst>
+                  <p:par>
+                    <p:cTn id="3" fill="hold">
+                      <p:stCondLst>
+                        <p:cond delay="indefinite"/>
+                        <p:cond evt="onBegin" delay="0">
+                          <p:tn val="2"/>
+                        </p:cond>
+                      </p:stCondLst>
+                      <p:childTnLst>
+                        <p:par>
+                          <p:cTn id="4" fill="hold">
+                            <p:stCondLst>
+                              <p:cond delay="0"/>
+                            </p:stCondLst>
+                            <p:childTnLst>
+                              <p:par>
+                                <p:cTn id="5" presetID="2" presetClass="entr" presetSubtype="4" fill="hold" nodeType="withEffect">
+                                  <p:stCondLst>
+                                    <p:cond delay="0"/>
+                                  </p:stCondLst>
+                                  <p:childTnLst>
+                                    <p:set>
+                                      <p:cBhvr>
+                                        <p:cTn id="6" dur="1" fill="hold">
+                                          <p:stCondLst>
+                                            <p:cond delay="0"/>
+                                          </p:stCondLst>
+                                        </p:cTn>
+                                        <p:tgtEl>
+                                          <p:spTgt spid="25"/>
+                                        </p:tgtEl>
+                                        <p:attrNameLst>
+                                          <p:attrName>style.visibility</p:attrName>
+                                        </p:attrNameLst>
+                                      </p:cBhvr>
+                                      <p:to>
+                                        <p:strVal val="visible"/>
+                                      </p:to>
+                                    </p:set>
+                                    <p:anim calcmode="lin" valueType="num">
+                                      <p:cBhvr additive="base">
+                                        <p:cTn id="7" dur="500"/>
+                                        <p:tgtEl>
+                                          <p:spTgt spid="25"/>
+                                        </p:tgtEl>
+                                        <p:attrNameLst>
+                                          <p:attrName>ppt_y</p:attrName>
+                                        </p:attrNameLst>
+                                      </p:cBhvr>
+                                      <p:tavLst>
+                                        <p:tav tm="0">
+                                          <p:val>
+                                            <p:strVal val="#ppt_y+1"/>
+                                          </p:val>
+                                        </p:tav>
+                                        <p:tav tm="100000">
+                                          <p:val>
+                                            <p:strVal val="#ppt_y"/>
+                                          </p:val>
+                                        </p:tav>
+                                      </p:tavLst>
+                                    </p:anim>
+                                  </p:childTnLst>
+                                </p:cTn>
+                              </p:par>
+                              <p:par>
+                                <p:cTn id="8" presetID="2" presetClass="entr" presetSubtype="4" fill="hold" nodeType="withEffect">
+                                  <p:stCondLst>
+                                    <p:cond delay="0"/>
+                                  </p:stCondLst>
+                                  <p:childTnLst>
+                                    <p:set>
+                                      <p:cBhvr>
+                                        <p:cTn id="9" dur="1" fill="hold">
+                                          <p:stCondLst>
+                                            <p:cond delay="0"/>
+                                          </p:stCondLst>
+                                        </p:cTn>
+                                        <p:tgtEl>
+                                          <p:spTgt spid="35"/>
+                                        </p:tgtEl>
+                                        <p:attrNameLst>
+                                          <p:attrName>style.visibility</p:attrName>
+                                        </p:attrNameLst>
+                                      </p:cBhvr>
+                                      <p:to>
+                                        <p:strVal val="visible"/>
+                                      </p:to>
+                                    </p:set>
+                                    <p:anim calcmode="lin" valueType="num">
+                                      <p:cBhvr additive="base">
+                                        <p:cTn id="10" dur="500"/>
+                                        <p:tgtEl>
+                                          <p:spTgt spid="35"/>
+                                        </p:tgtEl>
+                                        <p:attrNameLst>
+                                          <p:attrName>ppt_y</p:attrName>
+                                        </p:attrNameLst>
+                                      </p:cBhvr>
+                                      <p:tavLst>
+                                        <p:tav tm="0">
+                                          <p:val>
+                                            <p:strVal val="#ppt_y+1"/>
+                                          </p:val>
+                                        </p:tav>
+                                        <p:tav tm="100000">
+                                          <p:val>
+                                            <p:strVal val="#ppt_y"/>
+                                          </p:val>
+                                        </p:tav>
+                                      </p:tavLst>
+                                    </p:anim>
+                                  </p:childTnLst>
+                                </p:cTn>
+                              </p:par>
+                            </p:childTnLst>
+                          </p:cTn>
+                        </p:par>
+                      </p:childTnLst>
+                    </p:cTn>
+                  </p:par>
+                </p:childTnLst>
+              </p:cTn>
+              <p:prevCondLst>
+                <p:cond evt="onPrev" delay="0">
+                  <p:tgtEl>
+                    <p:sldTgt/>
+                  </p:tgtEl>
+                </p:cond>
+              </p:prevCondLst>
+              <p:nextCondLst>
+                <p:cond evt="onNext" delay="0">
+                  <p:tgtEl>
+                    <p:sldTgt/>
+                  </p:tgtEl>
+                </p:cond>
+              </p:nextCondLst>
+            </p:seq>
+          </p:childTnLst>
+        </p:cTn>
+      </p:par>
+    </p:tnLst>
+  </p:timing>
+</p:sld>
+</file>
+
+<file path=ppt/slides/slide8.xml><?xml version="1.0" encoding="utf-8"?>
+<p:sld xmlns:a="http://schemas.openxmlformats.org/drawingml/2006/main" xmlns:r="http://schemas.openxmlformats.org/officeDocument/2006/relationships" xmlns:p="http://schemas.openxmlformats.org/presentationml/2006/main">
+  <p:cSld>
+    <p:spTree>
+      <p:nvGrpSpPr>
+        <p:cNvPr id="1" name="Shape 23"/>
+        <p:cNvGrpSpPr/>
+        <p:nvPr/>
+      </p:nvGrpSpPr>
+      <p:grpSpPr>
+        <a:xfrm>
+          <a:off x="0" y="0"/>
+          <a:ext cx="0" cy="0"/>
+          <a:chOff x="0" y="0"/>
+          <a:chExt cx="0" cy="0"/>
+        </a:xfrm>
+      </p:grpSpPr>
+      <p:sp>
+        <p:nvSpPr>
+          <p:cNvPr id="25" name="Shape 25"/>
+          <p:cNvSpPr/>
+          <p:nvPr/>
+        </p:nvSpPr>
+        <p:spPr>
+          <a:xfrm>
+            <a:off x="1498645" y="1934173"/>
+            <a:ext cx="1724184" cy="45718"/>
+          </a:xfrm>
+          <a:prstGeom prst="rect">
+            <a:avLst/>
+          </a:prstGeom>
+          <a:solidFill>
+            <a:srgbClr val="92D050"/>
+          </a:solidFill>
+          <a:ln>
+            <a:noFill/>
+          </a:ln>
+        </p:spPr>
+        <p:txBody>
+          <a:bodyPr lIns="91425" tIns="45700" rIns="91425" bIns="45700" anchor="ctr" anchorCtr="0">
+            <a:noAutofit/>
+          </a:bodyPr>
+          <a:lstStyle/>
+          <a:p>
+            <a:pPr algn="ctr"/>
+            <a:endParaRPr sz="1800">
+              <a:solidFill>
+                <a:schemeClr val="lt1"/>
+              </a:solidFill>
+              <a:latin typeface="Calibri"/>
+              <a:ea typeface="Calibri"/>
+              <a:cs typeface="Calibri"/>
+              <a:sym typeface="Calibri"/>
+            </a:endParaRPr>
+          </a:p>
+        </p:txBody>
+      </p:sp>
+      <p:sp>
+        <p:nvSpPr>
+          <p:cNvPr id="35" name="Shape 35"/>
+          <p:cNvSpPr/>
+          <p:nvPr/>
+        </p:nvSpPr>
+        <p:spPr>
+          <a:xfrm>
+            <a:off x="678666" y="979325"/>
+            <a:ext cx="819979" cy="819979"/>
+          </a:xfrm>
+          <a:prstGeom prst="ellipse">
+            <a:avLst/>
+          </a:prstGeom>
+          <a:solidFill>
+            <a:srgbClr val="92D050"/>
+          </a:solidFill>
+          <a:ln>
+            <a:noFill/>
+          </a:ln>
+        </p:spPr>
+        <p:txBody>
+          <a:bodyPr lIns="91425" tIns="45700" rIns="91425" bIns="45700" anchor="ctr" anchorCtr="0">
+            <a:noAutofit/>
+          </a:bodyPr>
+          <a:lstStyle/>
+          <a:p>
+            <a:pPr algn="ctr"/>
+            <a:endParaRPr sz="1800">
+              <a:solidFill>
+                <a:schemeClr val="lt1"/>
+              </a:solidFill>
+              <a:latin typeface="Calibri"/>
+              <a:ea typeface="Calibri"/>
+              <a:cs typeface="Calibri"/>
+              <a:sym typeface="Calibri"/>
+            </a:endParaRPr>
+          </a:p>
+        </p:txBody>
+      </p:sp>
+      <p:sp>
+        <p:nvSpPr>
+          <p:cNvPr id="18" name="Retângulo 17"/>
+          <p:cNvSpPr/>
+          <p:nvPr/>
+        </p:nvSpPr>
+        <p:spPr>
+          <a:xfrm>
+            <a:off x="1481956" y="3007921"/>
+            <a:ext cx="20652696" cy="1924566"/>
+          </a:xfrm>
+          <a:prstGeom prst="rect">
+            <a:avLst/>
+          </a:prstGeom>
+        </p:spPr>
+        <p:txBody>
+          <a:bodyPr wrap="square">
+            <a:spAutoFit/>
+          </a:bodyPr>
+          <a:lstStyle/>
+          <a:p>
+            <a:pPr>
+              <a:lnSpc>
+                <a:spcPct val="120000"/>
+              </a:lnSpc>
+            </a:pPr>
+            <a:endParaRPr lang="pt-BR" sz="5200" dirty="0">
+              <a:solidFill>
+                <a:schemeClr val="bg1">
+                  <a:lumMod val="10000"/>
+                </a:schemeClr>
+              </a:solidFill>
+              <a:ea typeface="Proxima Nova" charset="0"/>
+              <a:cs typeface="Proxima Nova" charset="0"/>
+            </a:endParaRPr>
+          </a:p>
+          <a:p>
+            <a:pPr algn="just">
+              <a:lnSpc>
+                <a:spcPct val="120000"/>
+              </a:lnSpc>
+            </a:pPr>
+            <a:endParaRPr lang="pt-BR" sz="5200" b="1" dirty="0">
+              <a:solidFill>
+                <a:schemeClr val="accent6">
+                  <a:lumMod val="50000"/>
+                </a:schemeClr>
+              </a:solidFill>
+              <a:ea typeface="Proxima Nova" charset="0"/>
+              <a:cs typeface="Proxima Nova" charset="0"/>
+            </a:endParaRPr>
+          </a:p>
+        </p:txBody>
+      </p:sp>
+      <p:grpSp>
+        <p:nvGrpSpPr>
+          <p:cNvPr id="2" name="Grupo 1"/>
+          <p:cNvGrpSpPr/>
+          <p:nvPr/>
+        </p:nvGrpSpPr>
+        <p:grpSpPr>
+          <a:xfrm>
+            <a:off x="22717125" y="2438400"/>
+            <a:ext cx="1036726" cy="9906000"/>
+            <a:chOff x="22169124" y="0"/>
+            <a:chExt cx="1584727" cy="13716000"/>
+          </a:xfrm>
+        </p:grpSpPr>
+        <p:sp>
+          <p:nvSpPr>
+            <p:cNvPr id="22" name="Shape 8276"/>
+            <p:cNvSpPr/>
+            <p:nvPr/>
+          </p:nvSpPr>
+          <p:spPr>
+            <a:xfrm>
+              <a:off x="22169124" y="0"/>
+              <a:ext cx="418862" cy="13716000"/>
+            </a:xfrm>
+            <a:prstGeom prst="rect">
+              <a:avLst/>
+            </a:prstGeom>
+            <a:solidFill>
+              <a:srgbClr val="FFC341"/>
+            </a:solidFill>
+            <a:ln>
+              <a:noFill/>
+            </a:ln>
+          </p:spPr>
+          <p:txBody>
+            <a:bodyPr lIns="91425" tIns="45700" rIns="91425" bIns="45700" anchor="ctr" anchorCtr="0">
+              <a:noAutofit/>
+            </a:bodyPr>
+            <a:lstStyle/>
+            <a:p>
+              <a:pPr algn="ctr"/>
+              <a:endParaRPr sz="1800">
+                <a:solidFill>
+                  <a:srgbClr val="F0F0F0"/>
+                </a:solidFill>
+                <a:latin typeface="Calibri"/>
+                <a:ea typeface="Calibri"/>
+                <a:cs typeface="Calibri"/>
+                <a:sym typeface="Calibri"/>
+              </a:endParaRPr>
+            </a:p>
+          </p:txBody>
+        </p:sp>
+        <p:sp>
+          <p:nvSpPr>
+            <p:cNvPr id="23" name="Shape 8276"/>
+            <p:cNvSpPr/>
+            <p:nvPr/>
+          </p:nvSpPr>
+          <p:spPr>
+            <a:xfrm>
+              <a:off x="22744056" y="0"/>
+              <a:ext cx="418862" cy="13716000"/>
+            </a:xfrm>
+            <a:prstGeom prst="rect">
+              <a:avLst/>
+            </a:prstGeom>
+            <a:solidFill>
+              <a:srgbClr val="F14D4B"/>
+            </a:solidFill>
+            <a:ln>
+              <a:noFill/>
+            </a:ln>
+          </p:spPr>
+          <p:txBody>
+            <a:bodyPr lIns="91425" tIns="45700" rIns="91425" bIns="45700" anchor="ctr" anchorCtr="0">
+              <a:noAutofit/>
+            </a:bodyPr>
+            <a:lstStyle/>
+            <a:p>
+              <a:pPr algn="ctr"/>
+              <a:endParaRPr sz="1800">
+                <a:solidFill>
+                  <a:srgbClr val="F0F0F0"/>
+                </a:solidFill>
+                <a:latin typeface="Calibri"/>
+                <a:ea typeface="Calibri"/>
+                <a:cs typeface="Calibri"/>
+                <a:sym typeface="Calibri"/>
+              </a:endParaRPr>
+            </a:p>
+          </p:txBody>
+        </p:sp>
+        <p:sp>
+          <p:nvSpPr>
+            <p:cNvPr id="37" name="Shape 8276"/>
+            <p:cNvSpPr/>
+            <p:nvPr/>
+          </p:nvSpPr>
+          <p:spPr>
+            <a:xfrm>
+              <a:off x="23334989" y="0"/>
+              <a:ext cx="418862" cy="13716000"/>
+            </a:xfrm>
+            <a:prstGeom prst="rect">
+              <a:avLst/>
+            </a:prstGeom>
+            <a:solidFill>
+              <a:srgbClr val="93479B"/>
+            </a:solidFill>
+            <a:ln>
+              <a:noFill/>
+            </a:ln>
+            <a:effectLst/>
+          </p:spPr>
+          <p:txBody>
+            <a:bodyPr lIns="91425" tIns="45700" rIns="91425" bIns="45700" anchor="ctr" anchorCtr="0">
+              <a:noAutofit/>
+            </a:bodyPr>
+            <a:lstStyle/>
+            <a:p>
+              <a:pPr algn="ctr"/>
+              <a:r>
+                <a:rPr lang="pt-BR" sz="1800" dirty="0">
+                  <a:solidFill>
+                    <a:srgbClr val="F0F0F0"/>
+                  </a:solidFill>
+                  <a:latin typeface="Calibri"/>
+                  <a:ea typeface="Calibri"/>
+                  <a:cs typeface="Calibri"/>
+                  <a:sym typeface="Calibri"/>
+                </a:rPr>
+                <a:t> </a:t>
+              </a:r>
+              <a:endParaRPr sz="1800" dirty="0">
+                <a:solidFill>
+                  <a:srgbClr val="F0F0F0"/>
+                </a:solidFill>
+                <a:latin typeface="Calibri"/>
+                <a:ea typeface="Calibri"/>
+                <a:cs typeface="Calibri"/>
+                <a:sym typeface="Calibri"/>
+              </a:endParaRPr>
+            </a:p>
+          </p:txBody>
+        </p:sp>
+      </p:grpSp>
+      <p:sp>
+        <p:nvSpPr>
+          <p:cNvPr id="12" name="Retângulo 10">
+            <a:extLst>
+              <a:ext uri="{FF2B5EF4-FFF2-40B4-BE49-F238E27FC236}">
+                <a16:creationId xmlns:a16="http://schemas.microsoft.com/office/drawing/2014/main" id="{F57192DE-0E4C-7042-9EBB-ABE2561F9AF0}"/>
+              </a:ext>
+            </a:extLst>
+          </p:cNvPr>
+          <p:cNvSpPr/>
+          <p:nvPr/>
+        </p:nvSpPr>
+        <p:spPr>
+          <a:xfrm>
+            <a:off x="1641976" y="1142646"/>
+            <a:ext cx="14677202" cy="584775"/>
+          </a:xfrm>
+          <a:prstGeom prst="rect">
+            <a:avLst/>
+          </a:prstGeom>
+        </p:spPr>
+        <p:txBody>
+          <a:bodyPr wrap="square">
+            <a:spAutoFit/>
+          </a:bodyPr>
+          <a:lstStyle/>
+          <a:p>
+            <a:r>
+              <a:rPr lang="pt-BR" sz="3200" dirty="0">
+                <a:solidFill>
+                  <a:schemeClr val="bg1">
+                    <a:lumMod val="10000"/>
+                  </a:schemeClr>
+                </a:solidFill>
+                <a:ea typeface="Proxima Nova Light" charset="0"/>
+                <a:cs typeface="Proxima Nova Light" charset="0"/>
+              </a:rPr>
+              <a:t>Estruturas de Dados</a:t>
+            </a:r>
+            <a:endParaRPr lang="pt-BR" sz="3200" dirty="0">
+              <a:solidFill>
+                <a:schemeClr val="tx1"/>
+              </a:solidFill>
+              <a:latin typeface="+mn-lt"/>
+              <a:ea typeface="Proxima Nova Light" charset="0"/>
+              <a:cs typeface="Proxima Nova Light" charset="0"/>
+            </a:endParaRPr>
+          </a:p>
+        </p:txBody>
+      </p:sp>
+      <p:pic>
+        <p:nvPicPr>
+          <p:cNvPr id="13" name="Picture 12">
+            <a:extLst>
+              <a:ext uri="{FF2B5EF4-FFF2-40B4-BE49-F238E27FC236}">
+                <a16:creationId xmlns:a16="http://schemas.microsoft.com/office/drawing/2014/main" id="{73FE3BA8-D3B1-404B-8FD9-5261934C9494}"/>
+              </a:ext>
+            </a:extLst>
+          </p:cNvPr>
+          <p:cNvPicPr>
+            <a:picLocks noChangeAspect="1"/>
+          </p:cNvPicPr>
+          <p:nvPr/>
+        </p:nvPicPr>
+        <p:blipFill>
+          <a:blip r:embed="rId3"/>
+          <a:stretch>
+            <a:fillRect/>
+          </a:stretch>
+        </p:blipFill>
+        <p:spPr>
+          <a:xfrm>
+            <a:off x="22659738" y="733859"/>
+            <a:ext cx="1039246" cy="1039246"/>
+          </a:xfrm>
+          <a:prstGeom prst="rect">
+            <a:avLst/>
+          </a:prstGeom>
+        </p:spPr>
+      </p:pic>
+      <p:sp>
+        <p:nvSpPr>
+          <p:cNvPr id="14" name="Rectangle 13">
+            <a:extLst>
+              <a:ext uri="{FF2B5EF4-FFF2-40B4-BE49-F238E27FC236}">
+                <a16:creationId xmlns:a16="http://schemas.microsoft.com/office/drawing/2014/main" id="{06C332E7-DB23-284D-AF3D-D9D7E4232C83}"/>
+              </a:ext>
+            </a:extLst>
+          </p:cNvPr>
+          <p:cNvSpPr/>
+          <p:nvPr/>
+        </p:nvSpPr>
+        <p:spPr>
+          <a:xfrm>
+            <a:off x="16319178" y="837983"/>
+            <a:ext cx="5658921" cy="830997"/>
+          </a:xfrm>
+          <a:prstGeom prst="rect">
+            <a:avLst/>
+          </a:prstGeom>
+        </p:spPr>
+        <p:txBody>
+          <a:bodyPr wrap="none">
+            <a:spAutoFit/>
+          </a:bodyPr>
+          <a:lstStyle/>
+          <a:p>
+            <a:pPr algn="r"/>
+            <a:r>
+              <a:rPr lang="pt-BR" sz="2400" dirty="0">
+                <a:solidFill>
+                  <a:schemeClr val="bg1">
+                    <a:lumMod val="10000"/>
+                  </a:schemeClr>
+                </a:solidFill>
+                <a:latin typeface="Batang" panose="02030600000101010101" pitchFamily="18" charset="-127"/>
+                <a:ea typeface="Batang" panose="02030600000101010101" pitchFamily="18" charset="-127"/>
+                <a:cs typeface="Arial Narrow" panose="020B0604020202020204" pitchFamily="34" charset="0"/>
+              </a:rPr>
+              <a:t>Bacharel em Engenharia de Software</a:t>
+            </a:r>
+          </a:p>
+          <a:p>
+            <a:pPr algn="r"/>
+            <a:r>
+              <a:rPr lang="pt-BR" sz="2400" dirty="0">
+                <a:solidFill>
+                  <a:schemeClr val="bg1">
+                    <a:lumMod val="10000"/>
+                  </a:schemeClr>
+                </a:solidFill>
+                <a:latin typeface="Batang" panose="02030600000101010101" pitchFamily="18" charset="-127"/>
+                <a:ea typeface="Batang" panose="02030600000101010101" pitchFamily="18" charset="-127"/>
+                <a:cs typeface="Arial Narrow" panose="020B0604020202020204" pitchFamily="34" charset="0"/>
+              </a:rPr>
+              <a:t>Sistemas de Informação</a:t>
+            </a:r>
+            <a:endParaRPr lang="en-US" sz="2400" dirty="0">
+              <a:latin typeface="Batang" panose="02030600000101010101" pitchFamily="18" charset="-127"/>
+              <a:ea typeface="Batang" panose="02030600000101010101" pitchFamily="18" charset="-127"/>
+              <a:cs typeface="Arial Narrow" panose="020B0604020202020204" pitchFamily="34" charset="0"/>
+            </a:endParaRPr>
+          </a:p>
+        </p:txBody>
+      </p:sp>
+      <p:cxnSp>
+        <p:nvCxnSpPr>
+          <p:cNvPr id="15" name="Straight Connector 14">
+            <a:extLst>
+              <a:ext uri="{FF2B5EF4-FFF2-40B4-BE49-F238E27FC236}">
+                <a16:creationId xmlns:a16="http://schemas.microsoft.com/office/drawing/2014/main" id="{DBD6EE15-515A-9440-B3A2-0A071B7348D5}"/>
+              </a:ext>
+            </a:extLst>
+          </p:cNvPr>
+          <p:cNvCxnSpPr>
+            <a:cxnSpLocks/>
+          </p:cNvCxnSpPr>
+          <p:nvPr/>
+        </p:nvCxnSpPr>
+        <p:spPr>
+          <a:xfrm>
+            <a:off x="22222691" y="733859"/>
+            <a:ext cx="0" cy="1065445"/>
+          </a:xfrm>
+          <a:prstGeom prst="line">
+            <a:avLst/>
+          </a:prstGeom>
+          <a:ln w="63500">
+            <a:solidFill>
+              <a:schemeClr val="accent6">
+                <a:lumMod val="75000"/>
+              </a:schemeClr>
+            </a:solidFill>
+          </a:ln>
+        </p:spPr>
+        <p:style>
+          <a:lnRef idx="1">
+            <a:schemeClr val="accent1"/>
+          </a:lnRef>
+          <a:fillRef idx="0">
+            <a:schemeClr val="accent1"/>
+          </a:fillRef>
+          <a:effectRef idx="0">
+            <a:schemeClr val="accent1"/>
+          </a:effectRef>
+          <a:fontRef idx="minor">
+            <a:schemeClr val="tx1"/>
+          </a:fontRef>
+        </p:style>
+      </p:cxnSp>
+      <p:pic>
+        <p:nvPicPr>
+          <p:cNvPr id="4" name="Imagem 3">
+            <a:extLst>
+              <a:ext uri="{FF2B5EF4-FFF2-40B4-BE49-F238E27FC236}">
+                <a16:creationId xmlns:a16="http://schemas.microsoft.com/office/drawing/2014/main" id="{B15B4E0F-637F-483A-A0FA-D358ADC347D6}"/>
+              </a:ext>
+            </a:extLst>
+          </p:cNvPr>
+          <p:cNvPicPr>
+            <a:picLocks noChangeAspect="1"/>
+          </p:cNvPicPr>
+          <p:nvPr/>
+        </p:nvPicPr>
+        <p:blipFill>
+          <a:blip r:embed="rId4"/>
+          <a:stretch>
+            <a:fillRect/>
+          </a:stretch>
+        </p:blipFill>
+        <p:spPr>
+          <a:xfrm>
+            <a:off x="4077692" y="5960517"/>
+            <a:ext cx="16222266" cy="3114675"/>
+          </a:xfrm>
+          <a:prstGeom prst="rect">
+            <a:avLst/>
+          </a:prstGeom>
+        </p:spPr>
+      </p:pic>
+    </p:spTree>
+    <p:extLst>
+      <p:ext uri="{BB962C8B-B14F-4D97-AF65-F5344CB8AC3E}">
+        <p14:creationId xmlns:p14="http://schemas.microsoft.com/office/powerpoint/2010/main" val="3987461211"/>
+      </p:ext>
+    </p:extLst>
+  </p:cSld>
+  <p:clrMapOvr>
+    <a:masterClrMapping/>
+  </p:clrMapOvr>
+  <p:timing>
+    <p:tnLst>
+      <p:par>
+        <p:cTn id="1" dur="indefinite" restart="never" nodeType="tmRoot">
+          <p:childTnLst>
+            <p:seq concurrent="1" nextAc="seek">
+              <p:cTn id="2" dur="indefinite" nodeType="mainSeq">
+                <p:childTnLst>
+                  <p:par>
+                    <p:cTn id="3" fill="hold">
+                      <p:stCondLst>
+                        <p:cond delay="indefinite"/>
+                        <p:cond evt="onBegin" delay="0">
+                          <p:tn val="2"/>
+                        </p:cond>
+                      </p:stCondLst>
+                      <p:childTnLst>
+                        <p:par>
+                          <p:cTn id="4" fill="hold">
+                            <p:stCondLst>
+                              <p:cond delay="0"/>
+                            </p:stCondLst>
+                            <p:childTnLst>
+                              <p:par>
+                                <p:cTn id="5" presetID="2" presetClass="entr" presetSubtype="4" fill="hold" nodeType="withEffect">
+                                  <p:stCondLst>
+                                    <p:cond delay="0"/>
+                                  </p:stCondLst>
+                                  <p:childTnLst>
+                                    <p:set>
+                                      <p:cBhvr>
+                                        <p:cTn id="6" dur="1" fill="hold">
+                                          <p:stCondLst>
+                                            <p:cond delay="0"/>
+                                          </p:stCondLst>
+                                        </p:cTn>
+                                        <p:tgtEl>
+                                          <p:spTgt spid="25"/>
+                                        </p:tgtEl>
+                                        <p:attrNameLst>
+                                          <p:attrName>style.visibility</p:attrName>
+                                        </p:attrNameLst>
+                                      </p:cBhvr>
+                                      <p:to>
+                                        <p:strVal val="visible"/>
+                                      </p:to>
+                                    </p:set>
+                                    <p:anim calcmode="lin" valueType="num">
+                                      <p:cBhvr additive="base">
+                                        <p:cTn id="7" dur="500"/>
+                                        <p:tgtEl>
+                                          <p:spTgt spid="25"/>
+                                        </p:tgtEl>
+                                        <p:attrNameLst>
+                                          <p:attrName>ppt_y</p:attrName>
+                                        </p:attrNameLst>
+                                      </p:cBhvr>
+                                      <p:tavLst>
+                                        <p:tav tm="0">
+                                          <p:val>
+                                            <p:strVal val="#ppt_y+1"/>
+                                          </p:val>
+                                        </p:tav>
+                                        <p:tav tm="100000">
+                                          <p:val>
+                                            <p:strVal val="#ppt_y"/>
+                                          </p:val>
+                                        </p:tav>
+                                      </p:tavLst>
+                                    </p:anim>
+                                  </p:childTnLst>
+                                </p:cTn>
+                              </p:par>
+                              <p:par>
+                                <p:cTn id="8" presetID="2" presetClass="entr" presetSubtype="4" fill="hold" nodeType="withEffect">
+                                  <p:stCondLst>
+                                    <p:cond delay="0"/>
+                                  </p:stCondLst>
+                                  <p:childTnLst>
+                                    <p:set>
+                                      <p:cBhvr>
+                                        <p:cTn id="9" dur="1" fill="hold">
+                                          <p:stCondLst>
+                                            <p:cond delay="0"/>
+                                          </p:stCondLst>
+                                        </p:cTn>
+                                        <p:tgtEl>
+                                          <p:spTgt spid="35"/>
+                                        </p:tgtEl>
+                                        <p:attrNameLst>
+                                          <p:attrName>style.visibility</p:attrName>
+                                        </p:attrNameLst>
+                                      </p:cBhvr>
+                                      <p:to>
+                                        <p:strVal val="visible"/>
+                                      </p:to>
+                                    </p:set>
+                                    <p:anim calcmode="lin" valueType="num">
+                                      <p:cBhvr additive="base">
+                                        <p:cTn id="10" dur="500"/>
+                                        <p:tgtEl>
+                                          <p:spTgt spid="35"/>
+                                        </p:tgtEl>
+                                        <p:attrNameLst>
+                                          <p:attrName>ppt_y</p:attrName>
+                                        </p:attrNameLst>
+                                      </p:cBhvr>
+                                      <p:tavLst>
+                                        <p:tav tm="0">
+                                          <p:val>
+                                            <p:strVal val="#ppt_y+1"/>
+                                          </p:val>
+                                        </p:tav>
+                                        <p:tav tm="100000">
+                                          <p:val>
+                                            <p:strVal val="#ppt_y"/>
+                                          </p:val>
+                                        </p:tav>
+                                      </p:tavLst>
+                                    </p:anim>
+                                  </p:childTnLst>
+                                </p:cTn>
+                              </p:par>
+                            </p:childTnLst>
+                          </p:cTn>
+                        </p:par>
+                      </p:childTnLst>
+                    </p:cTn>
+                  </p:par>
+                </p:childTnLst>
+              </p:cTn>
+              <p:prevCondLst>
+                <p:cond evt="onPrev" delay="0">
+                  <p:tgtEl>
+                    <p:sldTgt/>
+                  </p:tgtEl>
+                </p:cond>
+              </p:prevCondLst>
+              <p:nextCondLst>
+                <p:cond evt="onNext" delay="0">
+                  <p:tgtEl>
+                    <p:sldTgt/>
+                  </p:tgtEl>
+                </p:cond>
+              </p:nextCondLst>
+            </p:seq>
+          </p:childTnLst>
+        </p:cTn>
+      </p:par>
+    </p:tnLst>
+  </p:timing>
+</p:sld>
+</file>
+
+<file path=ppt/slides/slide9.xml><?xml version="1.0" encoding="utf-8"?>
+<p:sld xmlns:a="http://schemas.openxmlformats.org/drawingml/2006/main" xmlns:r="http://schemas.openxmlformats.org/officeDocument/2006/relationships" xmlns:p="http://schemas.openxmlformats.org/presentationml/2006/main">
+  <p:cSld>
     <p:spTree>
       <p:nvGrpSpPr>
         <p:cNvPr id="1" name="Shape 16"/>
@@ -6355,6 +10885,80 @@
       </p:sp>
       <p:sp>
         <p:nvSpPr>
+          <p:cNvPr id="11" name="Shape 26"/>
+          <p:cNvSpPr txBox="1"/>
+          <p:nvPr/>
+        </p:nvSpPr>
+        <p:spPr>
+          <a:xfrm>
+            <a:off x="970262" y="5622272"/>
+            <a:ext cx="16683263" cy="6173488"/>
+          </a:xfrm>
+          <a:prstGeom prst="rect">
+            <a:avLst/>
+          </a:prstGeom>
+          <a:noFill/>
+          <a:ln>
+            <a:noFill/>
+          </a:ln>
+        </p:spPr>
+        <p:txBody>
+          <a:bodyPr lIns="91425" tIns="45700" rIns="91425" bIns="45700" anchor="t" anchorCtr="0">
+            <a:noAutofit/>
+          </a:bodyPr>
+          <a:lstStyle/>
+          <a:p>
+            <a:pPr lvl="0" algn="ctr">
+              <a:lnSpc>
+                <a:spcPct val="120000"/>
+              </a:lnSpc>
+              <a:buSzPct val="25000"/>
+            </a:pPr>
+            <a:r>
+              <a:rPr lang="pt-BR" sz="7200" dirty="0">
+                <a:solidFill>
+                  <a:schemeClr val="accent6">
+                    <a:lumMod val="60000"/>
+                    <a:lumOff val="40000"/>
+                  </a:schemeClr>
+                </a:solidFill>
+                <a:latin typeface="+mn-lt"/>
+                <a:ea typeface="Proxima Nova" charset="0"/>
+                <a:cs typeface="Proxima Nova" charset="0"/>
+                <a:sym typeface="Questrial"/>
+              </a:rPr>
+              <a:t>3) </a:t>
+            </a:r>
+            <a:r>
+              <a:rPr lang="pt-BR" sz="8800" b="1" dirty="0">
+                <a:solidFill>
+                  <a:schemeClr val="bg1">
+                    <a:lumMod val="10000"/>
+                  </a:schemeClr>
+                </a:solidFill>
+                <a:latin typeface="+mn-lt"/>
+                <a:ea typeface="Proxima Nova" charset="0"/>
+                <a:cs typeface="Proxima Nova" charset="0"/>
+                <a:sym typeface="Questrial"/>
+              </a:rPr>
+              <a:t>Teste unitário</a:t>
+            </a:r>
+            <a:endParaRPr lang="de-DE" sz="8800" b="1" dirty="0">
+              <a:solidFill>
+                <a:schemeClr val="bg1">
+                  <a:lumMod val="10000"/>
+                </a:schemeClr>
+              </a:solidFill>
+              <a:latin typeface="+mn-lt"/>
+              <a:ea typeface="Proxima Nova" charset="0"/>
+              <a:cs typeface="Proxima Nova" charset="0"/>
+              <a:sym typeface="Questrial"/>
+            </a:endParaRPr>
+          </a:p>
+        </p:txBody>
+      </p:sp>
+      <p:sp>
+        <p:nvSpPr>
           <p:cNvPr id="12" name="Shape 8276"/>
           <p:cNvSpPr/>
           <p:nvPr/>
@@ -6470,223 +11074,117 @@
           </a:prstGeom>
         </p:spPr>
       </p:pic>
-      <p:sp>
-        <p:nvSpPr>
-          <p:cNvPr id="20" name="Retângulo 19"/>
-          <p:cNvSpPr/>
-          <p:nvPr/>
-        </p:nvSpPr>
-        <p:spPr>
-          <a:xfrm>
-            <a:off x="3085067" y="4576210"/>
-            <a:ext cx="14677202" cy="1107996"/>
-          </a:xfrm>
-          <a:prstGeom prst="rect">
-            <a:avLst/>
-          </a:prstGeom>
-        </p:spPr>
-        <p:txBody>
-          <a:bodyPr wrap="square">
-            <a:spAutoFit/>
-          </a:bodyPr>
-          <a:lstStyle/>
-          <a:p>
-            <a:pPr algn="ctr"/>
-            <a:r>
-              <a:rPr lang="pt-BR" sz="6600" dirty="0" err="1">
-                <a:solidFill>
-                  <a:schemeClr val="bg1">
-                    <a:lumMod val="10000"/>
-                  </a:schemeClr>
-                </a:solidFill>
-                <a:latin typeface="+mn-lt"/>
-                <a:ea typeface="Proxima Nova Semibold" charset="0"/>
-                <a:cs typeface="Proxima Nova Semibold" charset="0"/>
-              </a:rPr>
-              <a:t>Obrigad</a:t>
-            </a:r>
-            <a:r>
-              <a:rPr lang="pt-BR" sz="6600" dirty="0">
-                <a:solidFill>
-                  <a:schemeClr val="bg1">
-                    <a:lumMod val="10000"/>
-                  </a:schemeClr>
-                </a:solidFill>
-                <a:latin typeface="+mn-lt"/>
-                <a:ea typeface="Proxima Nova Semibold" charset="0"/>
-                <a:cs typeface="Proxima Nova Semibold" charset="0"/>
-              </a:rPr>
-              <a:t>@!</a:t>
-            </a:r>
-            <a:endParaRPr lang="pt-BR" sz="6600" dirty="0">
-              <a:solidFill>
-                <a:schemeClr val="bg1">
-                  <a:lumMod val="10000"/>
-                </a:schemeClr>
-              </a:solidFill>
-              <a:latin typeface="+mn-lt"/>
-              <a:ea typeface="Proxima Nova Light" charset="0"/>
-              <a:cs typeface="Proxima Nova Light" charset="0"/>
-            </a:endParaRPr>
-          </a:p>
-        </p:txBody>
-      </p:sp>
-      <p:sp>
-        <p:nvSpPr>
-          <p:cNvPr id="8" name="Retângulo 7"/>
-          <p:cNvSpPr/>
-          <p:nvPr/>
-        </p:nvSpPr>
-        <p:spPr>
-          <a:xfrm>
-            <a:off x="2043386" y="8070784"/>
-            <a:ext cx="16201067" cy="5262979"/>
-          </a:xfrm>
-          <a:prstGeom prst="rect">
-            <a:avLst/>
-          </a:prstGeom>
-        </p:spPr>
-        <p:txBody>
-          <a:bodyPr wrap="square">
-            <a:spAutoFit/>
-          </a:bodyPr>
-          <a:lstStyle/>
-          <a:p>
-            <a:r>
-              <a:rPr lang="pt-BR" sz="4800" dirty="0">
-                <a:solidFill>
-                  <a:schemeClr val="bg1">
-                    <a:lumMod val="10000"/>
-                  </a:schemeClr>
-                </a:solidFill>
-                <a:latin typeface="+mj-lt"/>
-                <a:ea typeface="Proxima Nova Semibold" charset="0"/>
-                <a:cs typeface="Proxima Nova Semibold" charset="0"/>
-              </a:rPr>
-              <a:t>Bacharel em Engenharia de Software</a:t>
-            </a:r>
-          </a:p>
-          <a:p>
-            <a:r>
-              <a:rPr lang="pt-BR" sz="4800" dirty="0">
-                <a:solidFill>
-                  <a:schemeClr val="bg1">
-                    <a:lumMod val="10000"/>
-                  </a:schemeClr>
-                </a:solidFill>
-                <a:latin typeface="+mj-lt"/>
-                <a:ea typeface="Proxima Nova Semibold" charset="0"/>
-                <a:cs typeface="Proxima Nova Semibold" charset="0"/>
-              </a:rPr>
-              <a:t>Bacharel em Sistemas de Informação</a:t>
-            </a:r>
-          </a:p>
-          <a:p>
-            <a:endParaRPr lang="pt-BR" sz="4800" dirty="0">
-              <a:solidFill>
-                <a:schemeClr val="bg1">
-                  <a:lumMod val="10000"/>
-                </a:schemeClr>
-              </a:solidFill>
-              <a:ea typeface="Proxima Nova Semibold" charset="0"/>
-              <a:cs typeface="Proxima Nova Semibold" charset="0"/>
-            </a:endParaRPr>
-          </a:p>
-          <a:p>
-            <a:r>
-              <a:rPr lang="pt-BR" sz="4800" dirty="0">
-                <a:solidFill>
-                  <a:schemeClr val="bg1">
-                    <a:lumMod val="10000"/>
-                  </a:schemeClr>
-                </a:solidFill>
-                <a:ea typeface="Proxima Nova Light" charset="0"/>
-                <a:cs typeface="Proxima Nova Light" charset="0"/>
-              </a:rPr>
-              <a:t>Aluno1 – aluno1@univille.br</a:t>
-            </a:r>
-            <a:endParaRPr lang="pt-BR" sz="4800" dirty="0">
-              <a:solidFill>
-                <a:schemeClr val="bg1">
-                  <a:lumMod val="10000"/>
-                </a:schemeClr>
-              </a:solidFill>
-              <a:ea typeface="Proxima Nova Semibold" charset="0"/>
-              <a:cs typeface="Proxima Nova Semibold" charset="0"/>
-            </a:endParaRPr>
-          </a:p>
-          <a:p>
-            <a:r>
-              <a:rPr lang="pt-BR" sz="4800" dirty="0">
-                <a:solidFill>
-                  <a:schemeClr val="bg1">
-                    <a:lumMod val="10000"/>
-                  </a:schemeClr>
-                </a:solidFill>
-                <a:ea typeface="Proxima Nova Light" charset="0"/>
-                <a:cs typeface="Proxima Nova Light" charset="0"/>
-              </a:rPr>
-              <a:t>Aluno2 – aluno2@univille.br</a:t>
-            </a:r>
-            <a:endParaRPr lang="pt-BR" sz="4800" dirty="0">
-              <a:solidFill>
-                <a:schemeClr val="bg1">
-                  <a:lumMod val="10000"/>
-                </a:schemeClr>
-              </a:solidFill>
-              <a:ea typeface="Proxima Nova Semibold" charset="0"/>
-              <a:cs typeface="Proxima Nova Semibold" charset="0"/>
-            </a:endParaRPr>
-          </a:p>
-          <a:p>
-            <a:r>
-              <a:rPr lang="pt-BR" sz="4800" dirty="0">
-                <a:solidFill>
-                  <a:schemeClr val="bg1">
-                    <a:lumMod val="10000"/>
-                  </a:schemeClr>
-                </a:solidFill>
-                <a:ea typeface="Proxima Nova Light" charset="0"/>
-                <a:cs typeface="Proxima Nova Light" charset="0"/>
-              </a:rPr>
-              <a:t>Aluno3 – aluno3@univille.br</a:t>
-            </a:r>
-            <a:endParaRPr lang="pt-BR" sz="4800" dirty="0">
-              <a:solidFill>
-                <a:schemeClr val="bg1">
-                  <a:lumMod val="10000"/>
-                </a:schemeClr>
-              </a:solidFill>
-              <a:ea typeface="Proxima Nova Semibold" charset="0"/>
-              <a:cs typeface="Proxima Nova Semibold" charset="0"/>
-            </a:endParaRPr>
-          </a:p>
-          <a:p>
-            <a:r>
-              <a:rPr lang="pt-BR" sz="4800" dirty="0">
-                <a:solidFill>
-                  <a:schemeClr val="bg1">
-                    <a:lumMod val="10000"/>
-                  </a:schemeClr>
-                </a:solidFill>
-                <a:ea typeface="Proxima Nova Light" charset="0"/>
-                <a:cs typeface="Proxima Nova Light" charset="0"/>
-              </a:rPr>
-              <a:t>Aluno4 – aluno4@univille.br</a:t>
-            </a:r>
-          </a:p>
-        </p:txBody>
-      </p:sp>
     </p:spTree>
     <p:extLst>
       <p:ext uri="{BB962C8B-B14F-4D97-AF65-F5344CB8AC3E}">
-        <p14:creationId xmlns:p14="http://schemas.microsoft.com/office/powerpoint/2010/main" val="335898877"/>
+        <p14:creationId xmlns:p14="http://schemas.microsoft.com/office/powerpoint/2010/main" val="4019902745"/>
       </p:ext>
     </p:extLst>
   </p:cSld>
   <p:clrMapOvr>
     <a:masterClrMapping/>
   </p:clrMapOvr>
+  <p:timing>
+    <p:tnLst>
+      <p:par>
+        <p:cTn id="1" dur="indefinite" restart="never" nodeType="tmRoot">
+          <p:childTnLst>
+            <p:seq concurrent="1" nextAc="seek">
+              <p:cTn id="2" dur="indefinite" nodeType="mainSeq">
+                <p:childTnLst>
+                  <p:par>
+                    <p:cTn id="3" fill="hold">
+                      <p:stCondLst>
+                        <p:cond delay="indefinite"/>
+                        <p:cond evt="onBegin" delay="0">
+                          <p:tn val="2"/>
+                        </p:cond>
+                      </p:stCondLst>
+                      <p:childTnLst>
+                        <p:par>
+                          <p:cTn id="4" fill="hold">
+                            <p:stCondLst>
+                              <p:cond delay="0"/>
+                            </p:stCondLst>
+                            <p:childTnLst>
+                              <p:par>
+                                <p:cTn id="5" presetID="2" presetClass="entr" presetSubtype="4" fill="hold" nodeType="withEffect">
+                                  <p:stCondLst>
+                                    <p:cond delay="0"/>
+                                  </p:stCondLst>
+                                  <p:childTnLst>
+                                    <p:set>
+                                      <p:cBhvr>
+                                        <p:cTn id="6" dur="1" fill="hold">
+                                          <p:stCondLst>
+                                            <p:cond delay="0"/>
+                                          </p:stCondLst>
+                                        </p:cTn>
+                                        <p:tgtEl>
+                                          <p:spTgt spid="11"/>
+                                        </p:tgtEl>
+                                        <p:attrNameLst>
+                                          <p:attrName>style.visibility</p:attrName>
+                                        </p:attrNameLst>
+                                      </p:cBhvr>
+                                      <p:to>
+                                        <p:strVal val="visible"/>
+                                      </p:to>
+                                    </p:set>
+                                    <p:anim calcmode="lin" valueType="num">
+                                      <p:cBhvr additive="base">
+                                        <p:cTn id="7" dur="500"/>
+                                        <p:tgtEl>
+                                          <p:spTgt spid="11"/>
+                                        </p:tgtEl>
+                                        <p:attrNameLst>
+                                          <p:attrName>ppt_y</p:attrName>
+                                        </p:attrNameLst>
+                                      </p:cBhvr>
+                                      <p:tavLst>
+                                        <p:tav tm="0">
+                                          <p:val>
+                                            <p:strVal val="#ppt_y+1"/>
+                                          </p:val>
+                                        </p:tav>
+                                        <p:tav tm="100000">
+                                          <p:val>
+                                            <p:strVal val="#ppt_y"/>
+                                          </p:val>
+                                        </p:tav>
+                                      </p:tavLst>
+                                    </p:anim>
+                                  </p:childTnLst>
+                                </p:cTn>
+                              </p:par>
+                            </p:childTnLst>
+                          </p:cTn>
+                        </p:par>
+                      </p:childTnLst>
+                    </p:cTn>
+                  </p:par>
+                </p:childTnLst>
+              </p:cTn>
+              <p:prevCondLst>
+                <p:cond evt="onPrev" delay="0">
+                  <p:tgtEl>
+                    <p:sldTgt/>
+                  </p:tgtEl>
+                </p:cond>
+              </p:prevCondLst>
+              <p:nextCondLst>
+                <p:cond evt="onNext" delay="0">
+                  <p:tgtEl>
+                    <p:sldTgt/>
+                  </p:tgtEl>
+                </p:cond>
+              </p:nextCondLst>
+            </p:seq>
+          </p:childTnLst>
+        </p:cTn>
+      </p:par>
+    </p:tnLst>
+  </p:timing>
 </p:sld>
 </file>
 
